--- a/Java Урок 10.2 Регулярні вирази.pptx
+++ b/Java Урок 10.2 Регулярні вирази.pptx
@@ -29,7 +29,7 @@
     <p:sldId id="917" r:id="rId20"/>
     <p:sldId id="918" r:id="rId21"/>
     <p:sldId id="919" r:id="rId22"/>
-    <p:sldId id="702" r:id="rId23"/>
+    <p:sldId id="920" r:id="rId23"/>
   </p:sldIdLst>
   <p:sldSz cx="12192000" cy="6858000"/>
   <p:notesSz cx="6858000" cy="9144000"/>
@@ -218,7 +218,7 @@
           <a:p>
             <a:fld id="{D188B97D-A147-4EE0-BAAF-930745F534A0}" type="datetimeFigureOut">
               <a:rPr lang="uk-UA" smtClean="0"/>
-              <a:t>21.12.2023</a:t>
+              <a:t>10.02.2024</a:t>
             </a:fld>
             <a:endParaRPr lang="uk-UA"/>
           </a:p>
@@ -719,7 +719,7 @@
           <a:p>
             <a:fld id="{45843C31-A71A-4565-B352-4957DD3DAAED}" type="datetimeFigureOut">
               <a:rPr lang="uk-UA" smtClean="0"/>
-              <a:t>21.12.2023</a:t>
+              <a:t>10.02.2024</a:t>
             </a:fld>
             <a:endParaRPr lang="uk-UA"/>
           </a:p>
@@ -919,7 +919,7 @@
           <a:p>
             <a:fld id="{45843C31-A71A-4565-B352-4957DD3DAAED}" type="datetimeFigureOut">
               <a:rPr lang="uk-UA" smtClean="0"/>
-              <a:t>21.12.2023</a:t>
+              <a:t>10.02.2024</a:t>
             </a:fld>
             <a:endParaRPr lang="uk-UA"/>
           </a:p>
@@ -1129,7 +1129,7 @@
           <a:p>
             <a:fld id="{45843C31-A71A-4565-B352-4957DD3DAAED}" type="datetimeFigureOut">
               <a:rPr lang="uk-UA" smtClean="0"/>
-              <a:t>21.12.2023</a:t>
+              <a:t>10.02.2024</a:t>
             </a:fld>
             <a:endParaRPr lang="uk-UA"/>
           </a:p>
@@ -1452,7 +1452,7 @@
           <a:p>
             <a:fld id="{45843C31-A71A-4565-B352-4957DD3DAAED}" type="datetimeFigureOut">
               <a:rPr lang="uk-UA" smtClean="0"/>
-              <a:t>21.12.2023</a:t>
+              <a:t>10.02.2024</a:t>
             </a:fld>
             <a:endParaRPr lang="uk-UA"/>
           </a:p>
@@ -1728,7 +1728,7 @@
           <a:p>
             <a:fld id="{45843C31-A71A-4565-B352-4957DD3DAAED}" type="datetimeFigureOut">
               <a:rPr lang="uk-UA" smtClean="0"/>
-              <a:t>21.12.2023</a:t>
+              <a:t>10.02.2024</a:t>
             </a:fld>
             <a:endParaRPr lang="uk-UA"/>
           </a:p>
@@ -1996,7 +1996,7 @@
           <a:p>
             <a:fld id="{45843C31-A71A-4565-B352-4957DD3DAAED}" type="datetimeFigureOut">
               <a:rPr lang="uk-UA" smtClean="0"/>
-              <a:t>21.12.2023</a:t>
+              <a:t>10.02.2024</a:t>
             </a:fld>
             <a:endParaRPr lang="uk-UA"/>
           </a:p>
@@ -2411,7 +2411,7 @@
           <a:p>
             <a:fld id="{45843C31-A71A-4565-B352-4957DD3DAAED}" type="datetimeFigureOut">
               <a:rPr lang="uk-UA" smtClean="0"/>
-              <a:t>21.12.2023</a:t>
+              <a:t>10.02.2024</a:t>
             </a:fld>
             <a:endParaRPr lang="uk-UA"/>
           </a:p>
@@ -2553,7 +2553,7 @@
           <a:p>
             <a:fld id="{45843C31-A71A-4565-B352-4957DD3DAAED}" type="datetimeFigureOut">
               <a:rPr lang="uk-UA" smtClean="0"/>
-              <a:t>21.12.2023</a:t>
+              <a:t>10.02.2024</a:t>
             </a:fld>
             <a:endParaRPr lang="uk-UA"/>
           </a:p>
@@ -2666,7 +2666,7 @@
           <a:p>
             <a:fld id="{45843C31-A71A-4565-B352-4957DD3DAAED}" type="datetimeFigureOut">
               <a:rPr lang="uk-UA" smtClean="0"/>
-              <a:t>21.12.2023</a:t>
+              <a:t>10.02.2024</a:t>
             </a:fld>
             <a:endParaRPr lang="uk-UA"/>
           </a:p>
@@ -2979,7 +2979,7 @@
           <a:p>
             <a:fld id="{45843C31-A71A-4565-B352-4957DD3DAAED}" type="datetimeFigureOut">
               <a:rPr lang="uk-UA" smtClean="0"/>
-              <a:t>21.12.2023</a:t>
+              <a:t>10.02.2024</a:t>
             </a:fld>
             <a:endParaRPr lang="uk-UA"/>
           </a:p>
@@ -3268,7 +3268,7 @@
           <a:p>
             <a:fld id="{45843C31-A71A-4565-B352-4957DD3DAAED}" type="datetimeFigureOut">
               <a:rPr lang="uk-UA" smtClean="0"/>
-              <a:t>21.12.2023</a:t>
+              <a:t>10.02.2024</a:t>
             </a:fld>
             <a:endParaRPr lang="uk-UA"/>
           </a:p>
@@ -3511,7 +3511,7 @@
           <a:p>
             <a:fld id="{45843C31-A71A-4565-B352-4957DD3DAAED}" type="datetimeFigureOut">
               <a:rPr lang="uk-UA" smtClean="0"/>
-              <a:t>21.12.2023</a:t>
+              <a:t>10.02.2024</a:t>
             </a:fld>
             <a:endParaRPr lang="uk-UA"/>
           </a:p>
@@ -13180,58 +13180,257 @@
       </p:grpSpPr>
       <p:sp>
         <p:nvSpPr>
-          <p:cNvPr id="79874" name="Заголовок 1"/>
-          <p:cNvSpPr>
-            <a:spLocks noGrp="1"/>
+          <p:cNvPr id="4" name="Заголовок 1">
+            <a:extLst>
+              <a:ext uri="{FF2B5EF4-FFF2-40B4-BE49-F238E27FC236}">
+                <a16:creationId xmlns:a16="http://schemas.microsoft.com/office/drawing/2014/main" id="{31219040-91D0-4D45-85E4-745BC77AE296}"/>
+              </a:ext>
+            </a:extLst>
+          </p:cNvPr>
+          <p:cNvSpPr txBox="1">
+            <a:spLocks/>
           </p:cNvSpPr>
-          <p:nvPr>
-            <p:ph type="title"/>
-          </p:nvPr>
+          <p:nvPr/>
         </p:nvSpPr>
         <p:spPr>
           <a:xfrm>
             <a:off x="0" y="0"/>
             <a:ext cx="12192000" cy="965593"/>
           </a:xfrm>
+          <a:prstGeom prst="rect">
+            <a:avLst/>
+          </a:prstGeom>
         </p:spPr>
         <p:txBody>
-          <a:bodyPr>
+          <a:bodyPr vert="horz" lIns="91440" tIns="45720" rIns="91440" bIns="45720" rtlCol="0" anchor="ctr">
             <a:normAutofit/>
           </a:bodyPr>
-          <a:lstStyle/>
+          <a:lstStyle>
+            <a:lvl1pPr algn="l" defTabSz="914400" rtl="0" eaLnBrk="1" latinLnBrk="0" hangingPunct="1">
+              <a:lnSpc>
+                <a:spcPct val="90000"/>
+              </a:lnSpc>
+              <a:spcBef>
+                <a:spcPct val="0"/>
+              </a:spcBef>
+              <a:buNone/>
+              <a:defRPr sz="4400" kern="1200">
+                <a:solidFill>
+                  <a:schemeClr val="tx1"/>
+                </a:solidFill>
+                <a:latin typeface="+mj-lt"/>
+                <a:ea typeface="+mj-ea"/>
+                <a:cs typeface="+mj-cs"/>
+              </a:defRPr>
+            </a:lvl1pPr>
+          </a:lstStyle>
           <a:p>
             <a:pPr algn="ctr"/>
             <a:r>
-              <a:rPr lang="uk-UA" altLang="ru-RU" dirty="0">
+              <a:rPr lang="uk-UA" altLang="ru-RU">
                 <a:latin typeface="Times New Roman" panose="02020603050405020304" pitchFamily="18" charset="0"/>
                 <a:cs typeface="Times New Roman" panose="02020603050405020304" pitchFamily="18" charset="0"/>
               </a:rPr>
               <a:t>Використання регулярних виразів</a:t>
             </a:r>
+            <a:endParaRPr lang="uk-UA" altLang="ru-RU" dirty="0">
+              <a:latin typeface="Times New Roman" panose="02020603050405020304" pitchFamily="18" charset="0"/>
+              <a:cs typeface="Times New Roman" panose="02020603050405020304" pitchFamily="18" charset="0"/>
+            </a:endParaRPr>
           </a:p>
         </p:txBody>
       </p:sp>
       <p:sp>
         <p:nvSpPr>
-          <p:cNvPr id="3" name="Объект 2"/>
-          <p:cNvSpPr>
-            <a:spLocks noGrp="1"/>
+          <p:cNvPr id="5" name="Объект 2">
+            <a:extLst>
+              <a:ext uri="{FF2B5EF4-FFF2-40B4-BE49-F238E27FC236}">
+                <a16:creationId xmlns:a16="http://schemas.microsoft.com/office/drawing/2014/main" id="{1F64A118-D200-40DC-897B-634BE99C1B27}"/>
+              </a:ext>
+            </a:extLst>
+          </p:cNvPr>
+          <p:cNvSpPr txBox="1">
+            <a:spLocks/>
           </p:cNvSpPr>
-          <p:nvPr>
-            <p:ph idx="1"/>
-          </p:nvPr>
+          <p:nvPr/>
         </p:nvSpPr>
         <p:spPr>
           <a:xfrm>
-            <a:off x="1981200" y="1095376"/>
+            <a:off x="2584315" y="1109662"/>
             <a:ext cx="8229600" cy="4638675"/>
           </a:xfrm>
+          <a:prstGeom prst="rect">
+            <a:avLst/>
+          </a:prstGeom>
         </p:spPr>
         <p:txBody>
           <a:bodyPr>
             <a:normAutofit lnSpcReduction="10000"/>
           </a:bodyPr>
-          <a:lstStyle/>
+          <a:lstStyle>
+            <a:lvl1pPr marL="228600" indent="-228600" algn="l" defTabSz="914400" rtl="0" eaLnBrk="1" latinLnBrk="0" hangingPunct="1">
+              <a:lnSpc>
+                <a:spcPct val="90000"/>
+              </a:lnSpc>
+              <a:spcBef>
+                <a:spcPts val="1000"/>
+              </a:spcBef>
+              <a:buFont typeface="Arial" panose="020B0604020202020204" pitchFamily="34" charset="0"/>
+              <a:buChar char="•"/>
+              <a:defRPr sz="2800" kern="1200">
+                <a:solidFill>
+                  <a:schemeClr val="tx1"/>
+                </a:solidFill>
+                <a:latin typeface="+mn-lt"/>
+                <a:ea typeface="+mn-ea"/>
+                <a:cs typeface="+mn-cs"/>
+              </a:defRPr>
+            </a:lvl1pPr>
+            <a:lvl2pPr marL="685800" indent="-228600" algn="l" defTabSz="914400" rtl="0" eaLnBrk="1" latinLnBrk="0" hangingPunct="1">
+              <a:lnSpc>
+                <a:spcPct val="90000"/>
+              </a:lnSpc>
+              <a:spcBef>
+                <a:spcPts val="500"/>
+              </a:spcBef>
+              <a:buFont typeface="Arial" panose="020B0604020202020204" pitchFamily="34" charset="0"/>
+              <a:buChar char="•"/>
+              <a:defRPr sz="2400" kern="1200">
+                <a:solidFill>
+                  <a:schemeClr val="tx1"/>
+                </a:solidFill>
+                <a:latin typeface="+mn-lt"/>
+                <a:ea typeface="+mn-ea"/>
+                <a:cs typeface="+mn-cs"/>
+              </a:defRPr>
+            </a:lvl2pPr>
+            <a:lvl3pPr marL="1143000" indent="-228600" algn="l" defTabSz="914400" rtl="0" eaLnBrk="1" latinLnBrk="0" hangingPunct="1">
+              <a:lnSpc>
+                <a:spcPct val="90000"/>
+              </a:lnSpc>
+              <a:spcBef>
+                <a:spcPts val="500"/>
+              </a:spcBef>
+              <a:buFont typeface="Arial" panose="020B0604020202020204" pitchFamily="34" charset="0"/>
+              <a:buChar char="•"/>
+              <a:defRPr sz="2000" kern="1200">
+                <a:solidFill>
+                  <a:schemeClr val="tx1"/>
+                </a:solidFill>
+                <a:latin typeface="+mn-lt"/>
+                <a:ea typeface="+mn-ea"/>
+                <a:cs typeface="+mn-cs"/>
+              </a:defRPr>
+            </a:lvl3pPr>
+            <a:lvl4pPr marL="1600200" indent="-228600" algn="l" defTabSz="914400" rtl="0" eaLnBrk="1" latinLnBrk="0" hangingPunct="1">
+              <a:lnSpc>
+                <a:spcPct val="90000"/>
+              </a:lnSpc>
+              <a:spcBef>
+                <a:spcPts val="500"/>
+              </a:spcBef>
+              <a:buFont typeface="Arial" panose="020B0604020202020204" pitchFamily="34" charset="0"/>
+              <a:buChar char="•"/>
+              <a:defRPr sz="1800" kern="1200">
+                <a:solidFill>
+                  <a:schemeClr val="tx1"/>
+                </a:solidFill>
+                <a:latin typeface="+mn-lt"/>
+                <a:ea typeface="+mn-ea"/>
+                <a:cs typeface="+mn-cs"/>
+              </a:defRPr>
+            </a:lvl4pPr>
+            <a:lvl5pPr marL="2057400" indent="-228600" algn="l" defTabSz="914400" rtl="0" eaLnBrk="1" latinLnBrk="0" hangingPunct="1">
+              <a:lnSpc>
+                <a:spcPct val="90000"/>
+              </a:lnSpc>
+              <a:spcBef>
+                <a:spcPts val="500"/>
+              </a:spcBef>
+              <a:buFont typeface="Arial" panose="020B0604020202020204" pitchFamily="34" charset="0"/>
+              <a:buChar char="•"/>
+              <a:defRPr sz="1800" kern="1200">
+                <a:solidFill>
+                  <a:schemeClr val="tx1"/>
+                </a:solidFill>
+                <a:latin typeface="+mn-lt"/>
+                <a:ea typeface="+mn-ea"/>
+                <a:cs typeface="+mn-cs"/>
+              </a:defRPr>
+            </a:lvl5pPr>
+            <a:lvl6pPr marL="2514600" indent="-228600" algn="l" defTabSz="914400" rtl="0" eaLnBrk="1" latinLnBrk="0" hangingPunct="1">
+              <a:lnSpc>
+                <a:spcPct val="90000"/>
+              </a:lnSpc>
+              <a:spcBef>
+                <a:spcPts val="500"/>
+              </a:spcBef>
+              <a:buFont typeface="Arial" panose="020B0604020202020204" pitchFamily="34" charset="0"/>
+              <a:buChar char="•"/>
+              <a:defRPr sz="1800" kern="1200">
+                <a:solidFill>
+                  <a:schemeClr val="tx1"/>
+                </a:solidFill>
+                <a:latin typeface="+mn-lt"/>
+                <a:ea typeface="+mn-ea"/>
+                <a:cs typeface="+mn-cs"/>
+              </a:defRPr>
+            </a:lvl6pPr>
+            <a:lvl7pPr marL="2971800" indent="-228600" algn="l" defTabSz="914400" rtl="0" eaLnBrk="1" latinLnBrk="0" hangingPunct="1">
+              <a:lnSpc>
+                <a:spcPct val="90000"/>
+              </a:lnSpc>
+              <a:spcBef>
+                <a:spcPts val="500"/>
+              </a:spcBef>
+              <a:buFont typeface="Arial" panose="020B0604020202020204" pitchFamily="34" charset="0"/>
+              <a:buChar char="•"/>
+              <a:defRPr sz="1800" kern="1200">
+                <a:solidFill>
+                  <a:schemeClr val="tx1"/>
+                </a:solidFill>
+                <a:latin typeface="+mn-lt"/>
+                <a:ea typeface="+mn-ea"/>
+                <a:cs typeface="+mn-cs"/>
+              </a:defRPr>
+            </a:lvl7pPr>
+            <a:lvl8pPr marL="3429000" indent="-228600" algn="l" defTabSz="914400" rtl="0" eaLnBrk="1" latinLnBrk="0" hangingPunct="1">
+              <a:lnSpc>
+                <a:spcPct val="90000"/>
+              </a:lnSpc>
+              <a:spcBef>
+                <a:spcPts val="500"/>
+              </a:spcBef>
+              <a:buFont typeface="Arial" panose="020B0604020202020204" pitchFamily="34" charset="0"/>
+              <a:buChar char="•"/>
+              <a:defRPr sz="1800" kern="1200">
+                <a:solidFill>
+                  <a:schemeClr val="tx1"/>
+                </a:solidFill>
+                <a:latin typeface="+mn-lt"/>
+                <a:ea typeface="+mn-ea"/>
+                <a:cs typeface="+mn-cs"/>
+              </a:defRPr>
+            </a:lvl8pPr>
+            <a:lvl9pPr marL="3886200" indent="-228600" algn="l" defTabSz="914400" rtl="0" eaLnBrk="1" latinLnBrk="0" hangingPunct="1">
+              <a:lnSpc>
+                <a:spcPct val="90000"/>
+              </a:lnSpc>
+              <a:spcBef>
+                <a:spcPts val="500"/>
+              </a:spcBef>
+              <a:buFont typeface="Arial" panose="020B0604020202020204" pitchFamily="34" charset="0"/>
+              <a:buChar char="•"/>
+              <a:defRPr sz="1800" kern="1200">
+                <a:solidFill>
+                  <a:schemeClr val="tx1"/>
+                </a:solidFill>
+                <a:latin typeface="+mn-lt"/>
+                <a:ea typeface="+mn-ea"/>
+                <a:cs typeface="+mn-cs"/>
+              </a:defRPr>
+            </a:lvl9pPr>
+          </a:lstStyle>
           <a:p>
             <a:pPr>
               <a:defRPr/>
@@ -13349,32 +13548,1039 @@
           </a:p>
         </p:txBody>
       </p:sp>
+      <p:sp>
+        <p:nvSpPr>
+          <p:cNvPr id="6" name="Rectangle 1">
+            <a:extLst>
+              <a:ext uri="{FF2B5EF4-FFF2-40B4-BE49-F238E27FC236}">
+                <a16:creationId xmlns:a16="http://schemas.microsoft.com/office/drawing/2014/main" id="{9C00FDF2-4B47-4016-83D1-F2A13A391CCC}"/>
+              </a:ext>
+            </a:extLst>
+          </p:cNvPr>
+          <p:cNvSpPr>
+            <a:spLocks noChangeArrowheads="1"/>
+          </p:cNvSpPr>
+          <p:nvPr/>
+        </p:nvSpPr>
+        <p:spPr bwMode="auto">
+          <a:xfrm>
+            <a:off x="1777155" y="1490977"/>
+            <a:ext cx="6423498" cy="1200329"/>
+          </a:xfrm>
+          <a:prstGeom prst="rect">
+            <a:avLst/>
+          </a:prstGeom>
+          <a:noFill/>
+          <a:ln>
+            <a:noFill/>
+          </a:ln>
+          <a:effectLst/>
+        </p:spPr>
+        <p:txBody>
+          <a:bodyPr vert="horz" wrap="square" lIns="91440" tIns="45720" rIns="91440" bIns="45720" numCol="1" anchor="ctr" anchorCtr="0" compatLnSpc="1">
+            <a:prstTxWarp prst="textNoShape">
+              <a:avLst/>
+            </a:prstTxWarp>
+            <a:spAutoFit/>
+          </a:bodyPr>
+          <a:lstStyle/>
+          <a:p>
+            <a:pPr marL="0" marR="0" lvl="0" indent="0" algn="l" defTabSz="914400" rtl="0" eaLnBrk="0" fontAlgn="base" latinLnBrk="0" hangingPunct="0">
+              <a:lnSpc>
+                <a:spcPct val="100000"/>
+              </a:lnSpc>
+              <a:spcBef>
+                <a:spcPct val="0"/>
+              </a:spcBef>
+              <a:spcAft>
+                <a:spcPct val="0"/>
+              </a:spcAft>
+              <a:buClrTx/>
+              <a:buSzTx/>
+              <a:buFontTx/>
+              <a:buNone/>
+              <a:tabLst/>
+            </a:pPr>
+            <a:r>
+              <a:rPr kumimoji="0" lang="uk-UA" altLang="uk-UA" b="0" i="0" u="none" strike="noStrike" cap="none" normalizeH="0" baseline="0" dirty="0" err="1">
+                <a:ln>
+                  <a:noFill/>
+                </a:ln>
+                <a:solidFill>
+                  <a:srgbClr val="A9B7C6"/>
+                </a:solidFill>
+                <a:effectLst/>
+                <a:latin typeface="Courier New" panose="02070309020205020404" pitchFamily="49" charset="0"/>
+                <a:cs typeface="Courier New" panose="02070309020205020404" pitchFamily="49" charset="0"/>
+              </a:rPr>
+              <a:t>String</a:t>
+            </a:r>
+            <a:r>
+              <a:rPr kumimoji="0" lang="uk-UA" altLang="uk-UA" b="0" i="0" u="none" strike="noStrike" cap="none" normalizeH="0" baseline="0" dirty="0">
+                <a:ln>
+                  <a:noFill/>
+                </a:ln>
+                <a:solidFill>
+                  <a:srgbClr val="A9B7C6"/>
+                </a:solidFill>
+                <a:effectLst/>
+                <a:latin typeface="Courier New" panose="02070309020205020404" pitchFamily="49" charset="0"/>
+                <a:cs typeface="Courier New" panose="02070309020205020404" pitchFamily="49" charset="0"/>
+              </a:rPr>
+              <a:t> s = </a:t>
+            </a:r>
+            <a:r>
+              <a:rPr kumimoji="0" lang="uk-UA" altLang="uk-UA" b="0" i="0" u="none" strike="noStrike" cap="none" normalizeH="0" baseline="0" dirty="0">
+                <a:ln>
+                  <a:noFill/>
+                </a:ln>
+                <a:solidFill>
+                  <a:srgbClr val="6A8759"/>
+                </a:solidFill>
+                <a:effectLst/>
+                <a:latin typeface="Courier New" panose="02070309020205020404" pitchFamily="49" charset="0"/>
+                <a:cs typeface="Courier New" panose="02070309020205020404" pitchFamily="49" charset="0"/>
+              </a:rPr>
+              <a:t>"123, 456, 789"</a:t>
+            </a:r>
+            <a:r>
+              <a:rPr kumimoji="0" lang="uk-UA" altLang="uk-UA" b="0" i="0" u="none" strike="noStrike" cap="none" normalizeH="0" baseline="0" dirty="0">
+                <a:ln>
+                  <a:noFill/>
+                </a:ln>
+                <a:solidFill>
+                  <a:srgbClr val="CC7832"/>
+                </a:solidFill>
+                <a:effectLst/>
+                <a:latin typeface="Courier New" panose="02070309020205020404" pitchFamily="49" charset="0"/>
+                <a:cs typeface="Courier New" panose="02070309020205020404" pitchFamily="49" charset="0"/>
+              </a:rPr>
+              <a:t>;</a:t>
+            </a:r>
+            <a:br>
+              <a:rPr kumimoji="0" lang="uk-UA" altLang="uk-UA" b="0" i="0" u="none" strike="noStrike" cap="none" normalizeH="0" baseline="0" dirty="0">
+                <a:ln>
+                  <a:noFill/>
+                </a:ln>
+                <a:solidFill>
+                  <a:srgbClr val="CC7832"/>
+                </a:solidFill>
+                <a:effectLst/>
+                <a:latin typeface="Courier New" panose="02070309020205020404" pitchFamily="49" charset="0"/>
+                <a:cs typeface="Courier New" panose="02070309020205020404" pitchFamily="49" charset="0"/>
+              </a:rPr>
+            </a:br>
+            <a:r>
+              <a:rPr kumimoji="0" lang="uk-UA" altLang="uk-UA" b="0" i="0" u="none" strike="noStrike" cap="none" normalizeH="0" baseline="0" dirty="0" err="1">
+                <a:ln>
+                  <a:noFill/>
+                </a:ln>
+                <a:solidFill>
+                  <a:srgbClr val="A9B7C6"/>
+                </a:solidFill>
+                <a:effectLst/>
+                <a:latin typeface="Courier New" panose="02070309020205020404" pitchFamily="49" charset="0"/>
+                <a:cs typeface="Courier New" panose="02070309020205020404" pitchFamily="49" charset="0"/>
+              </a:rPr>
+              <a:t>String</a:t>
+            </a:r>
+            <a:r>
+              <a:rPr kumimoji="0" lang="uk-UA" altLang="uk-UA" b="0" i="0" u="none" strike="noStrike" cap="none" normalizeH="0" baseline="0" dirty="0">
+                <a:ln>
+                  <a:noFill/>
+                </a:ln>
+                <a:solidFill>
+                  <a:srgbClr val="A9B7C6"/>
+                </a:solidFill>
+                <a:effectLst/>
+                <a:latin typeface="Courier New" panose="02070309020205020404" pitchFamily="49" charset="0"/>
+                <a:cs typeface="Courier New" panose="02070309020205020404" pitchFamily="49" charset="0"/>
+              </a:rPr>
+              <a:t>[] </a:t>
+            </a:r>
+            <a:r>
+              <a:rPr kumimoji="0" lang="uk-UA" altLang="uk-UA" b="0" i="0" u="none" strike="noStrike" cap="none" normalizeH="0" baseline="0" dirty="0" err="1">
+                <a:ln>
+                  <a:noFill/>
+                </a:ln>
+                <a:solidFill>
+                  <a:srgbClr val="A9B7C6"/>
+                </a:solidFill>
+                <a:effectLst/>
+                <a:latin typeface="Courier New" panose="02070309020205020404" pitchFamily="49" charset="0"/>
+                <a:cs typeface="Courier New" panose="02070309020205020404" pitchFamily="49" charset="0"/>
+              </a:rPr>
+              <a:t>arr</a:t>
+            </a:r>
+            <a:r>
+              <a:rPr kumimoji="0" lang="uk-UA" altLang="uk-UA" b="0" i="0" u="none" strike="noStrike" cap="none" normalizeH="0" baseline="0" dirty="0">
+                <a:ln>
+                  <a:noFill/>
+                </a:ln>
+                <a:solidFill>
+                  <a:srgbClr val="A9B7C6"/>
+                </a:solidFill>
+                <a:effectLst/>
+                <a:latin typeface="Courier New" panose="02070309020205020404" pitchFamily="49" charset="0"/>
+                <a:cs typeface="Courier New" panose="02070309020205020404" pitchFamily="49" charset="0"/>
+              </a:rPr>
+              <a:t> = </a:t>
+            </a:r>
+            <a:r>
+              <a:rPr kumimoji="0" lang="uk-UA" altLang="uk-UA" b="0" i="0" u="none" strike="noStrike" cap="none" normalizeH="0" baseline="0" dirty="0" err="1">
+                <a:ln>
+                  <a:noFill/>
+                </a:ln>
+                <a:solidFill>
+                  <a:srgbClr val="A9B7C6"/>
+                </a:solidFill>
+                <a:effectLst/>
+                <a:latin typeface="Courier New" panose="02070309020205020404" pitchFamily="49" charset="0"/>
+                <a:cs typeface="Courier New" panose="02070309020205020404" pitchFamily="49" charset="0"/>
+              </a:rPr>
+              <a:t>s.split</a:t>
+            </a:r>
+            <a:r>
+              <a:rPr kumimoji="0" lang="uk-UA" altLang="uk-UA" b="0" i="0" u="none" strike="noStrike" cap="none" normalizeH="0" baseline="0" dirty="0">
+                <a:ln>
+                  <a:noFill/>
+                </a:ln>
+                <a:solidFill>
+                  <a:srgbClr val="A9B7C6"/>
+                </a:solidFill>
+                <a:effectLst/>
+                <a:latin typeface="Courier New" panose="02070309020205020404" pitchFamily="49" charset="0"/>
+                <a:cs typeface="Courier New" panose="02070309020205020404" pitchFamily="49" charset="0"/>
+              </a:rPr>
+              <a:t>(</a:t>
+            </a:r>
+            <a:r>
+              <a:rPr kumimoji="0" lang="uk-UA" altLang="uk-UA" b="0" i="0" u="none" strike="noStrike" cap="none" normalizeH="0" baseline="0" dirty="0">
+                <a:ln>
+                  <a:noFill/>
+                </a:ln>
+                <a:solidFill>
+                  <a:srgbClr val="6A8759"/>
+                </a:solidFill>
+                <a:effectLst/>
+                <a:latin typeface="Courier New" panose="02070309020205020404" pitchFamily="49" charset="0"/>
+                <a:cs typeface="Courier New" panose="02070309020205020404" pitchFamily="49" charset="0"/>
+              </a:rPr>
+              <a:t>"</a:t>
+            </a:r>
+            <a:r>
+              <a:rPr kumimoji="0" lang="uk-UA" altLang="uk-UA" b="0" i="0" u="none" strike="noStrike" cap="none" normalizeH="0" baseline="0" dirty="0">
+                <a:ln>
+                  <a:noFill/>
+                </a:ln>
+                <a:solidFill>
+                  <a:srgbClr val="CC7832"/>
+                </a:solidFill>
+                <a:effectLst/>
+                <a:latin typeface="Courier New" panose="02070309020205020404" pitchFamily="49" charset="0"/>
+                <a:cs typeface="Courier New" panose="02070309020205020404" pitchFamily="49" charset="0"/>
+              </a:rPr>
+              <a:t>\\</a:t>
+            </a:r>
+            <a:r>
+              <a:rPr kumimoji="0" lang="uk-UA" altLang="uk-UA" b="0" i="0" u="none" strike="noStrike" cap="none" normalizeH="0" baseline="0" dirty="0">
+                <a:ln>
+                  <a:noFill/>
+                </a:ln>
+                <a:solidFill>
+                  <a:srgbClr val="6A8759"/>
+                </a:solidFill>
+                <a:effectLst/>
+                <a:latin typeface="Courier New" panose="02070309020205020404" pitchFamily="49" charset="0"/>
+                <a:cs typeface="Courier New" panose="02070309020205020404" pitchFamily="49" charset="0"/>
+              </a:rPr>
+              <a:t>s*, </a:t>
+            </a:r>
+            <a:r>
+              <a:rPr kumimoji="0" lang="uk-UA" altLang="uk-UA" b="0" i="0" u="none" strike="noStrike" cap="none" normalizeH="0" baseline="0" dirty="0">
+                <a:ln>
+                  <a:noFill/>
+                </a:ln>
+                <a:solidFill>
+                  <a:srgbClr val="CC7832"/>
+                </a:solidFill>
+                <a:effectLst/>
+                <a:latin typeface="Courier New" panose="02070309020205020404" pitchFamily="49" charset="0"/>
+                <a:cs typeface="Courier New" panose="02070309020205020404" pitchFamily="49" charset="0"/>
+              </a:rPr>
+              <a:t>\\</a:t>
+            </a:r>
+            <a:r>
+              <a:rPr kumimoji="0" lang="uk-UA" altLang="uk-UA" b="0" i="0" u="none" strike="noStrike" cap="none" normalizeH="0" baseline="0" dirty="0">
+                <a:ln>
+                  <a:noFill/>
+                </a:ln>
+                <a:solidFill>
+                  <a:srgbClr val="6A8759"/>
+                </a:solidFill>
+                <a:effectLst/>
+                <a:latin typeface="Courier New" panose="02070309020205020404" pitchFamily="49" charset="0"/>
+                <a:cs typeface="Courier New" panose="02070309020205020404" pitchFamily="49" charset="0"/>
+              </a:rPr>
+              <a:t>s*"</a:t>
+            </a:r>
+            <a:r>
+              <a:rPr kumimoji="0" lang="uk-UA" altLang="uk-UA" b="0" i="0" u="none" strike="noStrike" cap="none" normalizeH="0" baseline="0" dirty="0">
+                <a:ln>
+                  <a:noFill/>
+                </a:ln>
+                <a:solidFill>
+                  <a:srgbClr val="A9B7C6"/>
+                </a:solidFill>
+                <a:effectLst/>
+                <a:latin typeface="Courier New" panose="02070309020205020404" pitchFamily="49" charset="0"/>
+                <a:cs typeface="Courier New" panose="02070309020205020404" pitchFamily="49" charset="0"/>
+              </a:rPr>
+              <a:t>)</a:t>
+            </a:r>
+            <a:r>
+              <a:rPr kumimoji="0" lang="uk-UA" altLang="uk-UA" b="0" i="0" u="none" strike="noStrike" cap="none" normalizeH="0" baseline="0" dirty="0">
+                <a:ln>
+                  <a:noFill/>
+                </a:ln>
+                <a:solidFill>
+                  <a:srgbClr val="CC7832"/>
+                </a:solidFill>
+                <a:effectLst/>
+                <a:latin typeface="Courier New" panose="02070309020205020404" pitchFamily="49" charset="0"/>
+                <a:cs typeface="Courier New" panose="02070309020205020404" pitchFamily="49" charset="0"/>
+              </a:rPr>
+              <a:t>;</a:t>
+            </a:r>
+            <a:br>
+              <a:rPr kumimoji="0" lang="uk-UA" altLang="uk-UA" b="0" i="0" u="none" strike="noStrike" cap="none" normalizeH="0" baseline="0" dirty="0">
+                <a:ln>
+                  <a:noFill/>
+                </a:ln>
+                <a:solidFill>
+                  <a:srgbClr val="CC7832"/>
+                </a:solidFill>
+                <a:effectLst/>
+                <a:latin typeface="Courier New" panose="02070309020205020404" pitchFamily="49" charset="0"/>
+                <a:cs typeface="Courier New" panose="02070309020205020404" pitchFamily="49" charset="0"/>
+              </a:rPr>
+            </a:br>
+            <a:r>
+              <a:rPr kumimoji="0" lang="uk-UA" altLang="uk-UA" b="0" i="0" u="none" strike="noStrike" cap="none" normalizeH="0" baseline="0" dirty="0" err="1">
+                <a:ln>
+                  <a:noFill/>
+                </a:ln>
+                <a:solidFill>
+                  <a:srgbClr val="CC7832"/>
+                </a:solidFill>
+                <a:effectLst/>
+                <a:latin typeface="Courier New" panose="02070309020205020404" pitchFamily="49" charset="0"/>
+                <a:cs typeface="Courier New" panose="02070309020205020404" pitchFamily="49" charset="0"/>
+              </a:rPr>
+              <a:t>for</a:t>
+            </a:r>
+            <a:r>
+              <a:rPr kumimoji="0" lang="uk-UA" altLang="uk-UA" b="0" i="0" u="none" strike="noStrike" cap="none" normalizeH="0" baseline="0" dirty="0">
+                <a:ln>
+                  <a:noFill/>
+                </a:ln>
+                <a:solidFill>
+                  <a:srgbClr val="A9B7C6"/>
+                </a:solidFill>
+                <a:effectLst/>
+                <a:latin typeface="Courier New" panose="02070309020205020404" pitchFamily="49" charset="0"/>
+                <a:cs typeface="Courier New" panose="02070309020205020404" pitchFamily="49" charset="0"/>
+              </a:rPr>
+              <a:t>(</a:t>
+            </a:r>
+            <a:r>
+              <a:rPr kumimoji="0" lang="uk-UA" altLang="uk-UA" b="0" i="0" u="none" strike="noStrike" cap="none" normalizeH="0" baseline="0" dirty="0" err="1">
+                <a:ln>
+                  <a:noFill/>
+                </a:ln>
+                <a:solidFill>
+                  <a:srgbClr val="A9B7C6"/>
+                </a:solidFill>
+                <a:effectLst/>
+                <a:latin typeface="Courier New" panose="02070309020205020404" pitchFamily="49" charset="0"/>
+                <a:cs typeface="Courier New" panose="02070309020205020404" pitchFamily="49" charset="0"/>
+              </a:rPr>
+              <a:t>String</a:t>
+            </a:r>
+            <a:r>
+              <a:rPr kumimoji="0" lang="uk-UA" altLang="uk-UA" b="0" i="0" u="none" strike="noStrike" cap="none" normalizeH="0" baseline="0" dirty="0">
+                <a:ln>
+                  <a:noFill/>
+                </a:ln>
+                <a:solidFill>
+                  <a:srgbClr val="A9B7C6"/>
+                </a:solidFill>
+                <a:effectLst/>
+                <a:latin typeface="Courier New" panose="02070309020205020404" pitchFamily="49" charset="0"/>
+                <a:cs typeface="Courier New" panose="02070309020205020404" pitchFamily="49" charset="0"/>
+              </a:rPr>
+              <a:t> </a:t>
+            </a:r>
+            <a:r>
+              <a:rPr kumimoji="0" lang="uk-UA" altLang="uk-UA" b="0" i="0" u="none" strike="noStrike" cap="none" normalizeH="0" baseline="0" dirty="0" err="1">
+                <a:ln>
+                  <a:noFill/>
+                </a:ln>
+                <a:solidFill>
+                  <a:srgbClr val="A9B7C6"/>
+                </a:solidFill>
+                <a:effectLst/>
+                <a:latin typeface="Courier New" panose="02070309020205020404" pitchFamily="49" charset="0"/>
+                <a:cs typeface="Courier New" panose="02070309020205020404" pitchFamily="49" charset="0"/>
+              </a:rPr>
+              <a:t>item</a:t>
+            </a:r>
+            <a:r>
+              <a:rPr kumimoji="0" lang="uk-UA" altLang="uk-UA" b="0" i="0" u="none" strike="noStrike" cap="none" normalizeH="0" baseline="0" dirty="0">
+                <a:ln>
+                  <a:noFill/>
+                </a:ln>
+                <a:solidFill>
+                  <a:srgbClr val="A9B7C6"/>
+                </a:solidFill>
+                <a:effectLst/>
+                <a:latin typeface="Courier New" panose="02070309020205020404" pitchFamily="49" charset="0"/>
+                <a:cs typeface="Courier New" panose="02070309020205020404" pitchFamily="49" charset="0"/>
+              </a:rPr>
+              <a:t> : </a:t>
+            </a:r>
+            <a:r>
+              <a:rPr kumimoji="0" lang="uk-UA" altLang="uk-UA" b="0" i="0" u="none" strike="noStrike" cap="none" normalizeH="0" baseline="0" dirty="0" err="1">
+                <a:ln>
+                  <a:noFill/>
+                </a:ln>
+                <a:solidFill>
+                  <a:srgbClr val="A9B7C6"/>
+                </a:solidFill>
+                <a:effectLst/>
+                <a:latin typeface="Courier New" panose="02070309020205020404" pitchFamily="49" charset="0"/>
+                <a:cs typeface="Courier New" panose="02070309020205020404" pitchFamily="49" charset="0"/>
+              </a:rPr>
+              <a:t>arr</a:t>
+            </a:r>
+            <a:r>
+              <a:rPr kumimoji="0" lang="uk-UA" altLang="uk-UA" b="0" i="0" u="none" strike="noStrike" cap="none" normalizeH="0" baseline="0" dirty="0">
+                <a:ln>
+                  <a:noFill/>
+                </a:ln>
+                <a:solidFill>
+                  <a:srgbClr val="A9B7C6"/>
+                </a:solidFill>
+                <a:effectLst/>
+                <a:latin typeface="Courier New" panose="02070309020205020404" pitchFamily="49" charset="0"/>
+                <a:cs typeface="Courier New" panose="02070309020205020404" pitchFamily="49" charset="0"/>
+              </a:rPr>
+              <a:t>)</a:t>
+            </a:r>
+            <a:br>
+              <a:rPr kumimoji="0" lang="uk-UA" altLang="uk-UA" b="0" i="0" u="none" strike="noStrike" cap="none" normalizeH="0" baseline="0" dirty="0">
+                <a:ln>
+                  <a:noFill/>
+                </a:ln>
+                <a:solidFill>
+                  <a:srgbClr val="A9B7C6"/>
+                </a:solidFill>
+                <a:effectLst/>
+                <a:latin typeface="Courier New" panose="02070309020205020404" pitchFamily="49" charset="0"/>
+                <a:cs typeface="Courier New" panose="02070309020205020404" pitchFamily="49" charset="0"/>
+              </a:rPr>
+            </a:br>
+            <a:r>
+              <a:rPr kumimoji="0" lang="uk-UA" altLang="uk-UA" b="0" i="0" u="none" strike="noStrike" cap="none" normalizeH="0" baseline="0" dirty="0">
+                <a:ln>
+                  <a:noFill/>
+                </a:ln>
+                <a:solidFill>
+                  <a:srgbClr val="A9B7C6"/>
+                </a:solidFill>
+                <a:effectLst/>
+                <a:latin typeface="Courier New" panose="02070309020205020404" pitchFamily="49" charset="0"/>
+                <a:cs typeface="Courier New" panose="02070309020205020404" pitchFamily="49" charset="0"/>
+              </a:rPr>
+              <a:t>    </a:t>
+            </a:r>
+            <a:r>
+              <a:rPr kumimoji="0" lang="uk-UA" altLang="uk-UA" b="0" i="0" u="none" strike="noStrike" cap="none" normalizeH="0" baseline="0" dirty="0" err="1">
+                <a:ln>
+                  <a:noFill/>
+                </a:ln>
+                <a:solidFill>
+                  <a:srgbClr val="A9B7C6"/>
+                </a:solidFill>
+                <a:effectLst/>
+                <a:latin typeface="Courier New" panose="02070309020205020404" pitchFamily="49" charset="0"/>
+                <a:cs typeface="Courier New" panose="02070309020205020404" pitchFamily="49" charset="0"/>
+              </a:rPr>
+              <a:t>System.</a:t>
+            </a:r>
+            <a:r>
+              <a:rPr kumimoji="0" lang="uk-UA" altLang="uk-UA" b="0" i="1" u="none" strike="noStrike" cap="none" normalizeH="0" baseline="0" dirty="0" err="1">
+                <a:ln>
+                  <a:noFill/>
+                </a:ln>
+                <a:solidFill>
+                  <a:srgbClr val="9876AA"/>
+                </a:solidFill>
+                <a:effectLst/>
+                <a:latin typeface="Courier New" panose="02070309020205020404" pitchFamily="49" charset="0"/>
+                <a:cs typeface="Courier New" panose="02070309020205020404" pitchFamily="49" charset="0"/>
+              </a:rPr>
+              <a:t>out</a:t>
+            </a:r>
+            <a:r>
+              <a:rPr kumimoji="0" lang="uk-UA" altLang="uk-UA" b="0" i="0" u="none" strike="noStrike" cap="none" normalizeH="0" baseline="0" dirty="0" err="1">
+                <a:ln>
+                  <a:noFill/>
+                </a:ln>
+                <a:solidFill>
+                  <a:srgbClr val="A9B7C6"/>
+                </a:solidFill>
+                <a:effectLst/>
+                <a:latin typeface="Courier New" panose="02070309020205020404" pitchFamily="49" charset="0"/>
+                <a:cs typeface="Courier New" panose="02070309020205020404" pitchFamily="49" charset="0"/>
+              </a:rPr>
+              <a:t>.println</a:t>
+            </a:r>
+            <a:r>
+              <a:rPr kumimoji="0" lang="uk-UA" altLang="uk-UA" b="0" i="0" u="none" strike="noStrike" cap="none" normalizeH="0" baseline="0" dirty="0">
+                <a:ln>
+                  <a:noFill/>
+                </a:ln>
+                <a:solidFill>
+                  <a:srgbClr val="A9B7C6"/>
+                </a:solidFill>
+                <a:effectLst/>
+                <a:latin typeface="Courier New" panose="02070309020205020404" pitchFamily="49" charset="0"/>
+                <a:cs typeface="Courier New" panose="02070309020205020404" pitchFamily="49" charset="0"/>
+              </a:rPr>
+              <a:t>(</a:t>
+            </a:r>
+            <a:r>
+              <a:rPr kumimoji="0" lang="uk-UA" altLang="uk-UA" b="0" i="0" u="none" strike="noStrike" cap="none" normalizeH="0" baseline="0" dirty="0" err="1">
+                <a:ln>
+                  <a:noFill/>
+                </a:ln>
+                <a:solidFill>
+                  <a:srgbClr val="A9B7C6"/>
+                </a:solidFill>
+                <a:effectLst/>
+                <a:latin typeface="Courier New" panose="02070309020205020404" pitchFamily="49" charset="0"/>
+                <a:cs typeface="Courier New" panose="02070309020205020404" pitchFamily="49" charset="0"/>
+              </a:rPr>
+              <a:t>item</a:t>
+            </a:r>
+            <a:r>
+              <a:rPr kumimoji="0" lang="uk-UA" altLang="uk-UA" b="0" i="0" u="none" strike="noStrike" cap="none" normalizeH="0" baseline="0" dirty="0">
+                <a:ln>
+                  <a:noFill/>
+                </a:ln>
+                <a:solidFill>
+                  <a:srgbClr val="A9B7C6"/>
+                </a:solidFill>
+                <a:effectLst/>
+                <a:latin typeface="Courier New" panose="02070309020205020404" pitchFamily="49" charset="0"/>
+                <a:cs typeface="Courier New" panose="02070309020205020404" pitchFamily="49" charset="0"/>
+              </a:rPr>
+              <a:t>)</a:t>
+            </a:r>
+            <a:r>
+              <a:rPr kumimoji="0" lang="uk-UA" altLang="uk-UA" b="0" i="0" u="none" strike="noStrike" cap="none" normalizeH="0" baseline="0" dirty="0">
+                <a:ln>
+                  <a:noFill/>
+                </a:ln>
+                <a:solidFill>
+                  <a:srgbClr val="CC7832"/>
+                </a:solidFill>
+                <a:effectLst/>
+                <a:latin typeface="Courier New" panose="02070309020205020404" pitchFamily="49" charset="0"/>
+                <a:cs typeface="Courier New" panose="02070309020205020404" pitchFamily="49" charset="0"/>
+              </a:rPr>
+              <a:t>;</a:t>
+            </a:r>
+            <a:endParaRPr kumimoji="0" lang="uk-UA" altLang="uk-UA" sz="4000" b="0" i="0" u="none" strike="noStrike" cap="none" normalizeH="0" baseline="0" dirty="0">
+              <a:ln>
+                <a:noFill/>
+              </a:ln>
+              <a:solidFill>
+                <a:schemeClr val="tx1"/>
+              </a:solidFill>
+              <a:effectLst/>
+              <a:latin typeface="Courier New" panose="02070309020205020404" pitchFamily="49" charset="0"/>
+              <a:cs typeface="Courier New" panose="02070309020205020404" pitchFamily="49" charset="0"/>
+            </a:endParaRPr>
+          </a:p>
+        </p:txBody>
+      </p:sp>
+      <p:sp>
+        <p:nvSpPr>
+          <p:cNvPr id="8" name="TextBox 7">
+            <a:extLst>
+              <a:ext uri="{FF2B5EF4-FFF2-40B4-BE49-F238E27FC236}">
+                <a16:creationId xmlns:a16="http://schemas.microsoft.com/office/drawing/2014/main" id="{3637D86A-DD09-4D44-ACF2-72E21B48F825}"/>
+              </a:ext>
+            </a:extLst>
+          </p:cNvPr>
+          <p:cNvSpPr txBox="1"/>
+          <p:nvPr/>
+        </p:nvSpPr>
+        <p:spPr>
+          <a:xfrm>
+            <a:off x="9243709" y="1490977"/>
+            <a:ext cx="571501" cy="923330"/>
+          </a:xfrm>
+          <a:prstGeom prst="rect">
+            <a:avLst/>
+          </a:prstGeom>
+          <a:noFill/>
+          <a:ln>
+            <a:solidFill>
+              <a:schemeClr val="accent2">
+                <a:lumMod val="75000"/>
+              </a:schemeClr>
+            </a:solidFill>
+          </a:ln>
+        </p:spPr>
+        <p:txBody>
+          <a:bodyPr wrap="square">
+            <a:spAutoFit/>
+          </a:bodyPr>
+          <a:lstStyle/>
+          <a:p>
+            <a:r>
+              <a:rPr lang="uk-UA" dirty="0"/>
+              <a:t>123</a:t>
+            </a:r>
+          </a:p>
+          <a:p>
+            <a:r>
+              <a:rPr lang="uk-UA" dirty="0"/>
+              <a:t>456</a:t>
+            </a:r>
+          </a:p>
+          <a:p>
+            <a:r>
+              <a:rPr lang="uk-UA" dirty="0"/>
+              <a:t>789</a:t>
+            </a:r>
+          </a:p>
+        </p:txBody>
+      </p:sp>
+      <p:cxnSp>
+        <p:nvCxnSpPr>
+          <p:cNvPr id="10" name="Прямая со стрелкой 9">
+            <a:extLst>
+              <a:ext uri="{FF2B5EF4-FFF2-40B4-BE49-F238E27FC236}">
+                <a16:creationId xmlns:a16="http://schemas.microsoft.com/office/drawing/2014/main" id="{468523E7-7C6F-4785-8CEE-A2604E7BD2CC}"/>
+              </a:ext>
+            </a:extLst>
+          </p:cNvPr>
+          <p:cNvCxnSpPr>
+            <a:cxnSpLocks/>
+          </p:cNvCxnSpPr>
+          <p:nvPr/>
+        </p:nvCxnSpPr>
+        <p:spPr>
+          <a:xfrm>
+            <a:off x="7879404" y="1952642"/>
+            <a:ext cx="1361873" cy="0"/>
+          </a:xfrm>
+          <a:prstGeom prst="straightConnector1">
+            <a:avLst/>
+          </a:prstGeom>
+          <a:ln>
+            <a:tailEnd type="triangle"/>
+          </a:ln>
+        </p:spPr>
+        <p:style>
+          <a:lnRef idx="3">
+            <a:schemeClr val="accent2"/>
+          </a:lnRef>
+          <a:fillRef idx="0">
+            <a:schemeClr val="accent2"/>
+          </a:fillRef>
+          <a:effectRef idx="2">
+            <a:schemeClr val="accent2"/>
+          </a:effectRef>
+          <a:fontRef idx="minor">
+            <a:schemeClr val="tx1"/>
+          </a:fontRef>
+        </p:style>
+      </p:cxnSp>
+      <p:sp>
+        <p:nvSpPr>
+          <p:cNvPr id="2" name="Rectangle 1">
+            <a:extLst>
+              <a:ext uri="{FF2B5EF4-FFF2-40B4-BE49-F238E27FC236}">
+                <a16:creationId xmlns:a16="http://schemas.microsoft.com/office/drawing/2014/main" id="{4B5F3177-4A42-45DA-9A82-B398B460D8BF}"/>
+              </a:ext>
+            </a:extLst>
+          </p:cNvPr>
+          <p:cNvSpPr>
+            <a:spLocks noChangeArrowheads="1"/>
+          </p:cNvSpPr>
+          <p:nvPr/>
+        </p:nvSpPr>
+        <p:spPr bwMode="auto">
+          <a:xfrm>
+            <a:off x="1777155" y="3152971"/>
+            <a:ext cx="8145294" cy="646331"/>
+          </a:xfrm>
+          <a:prstGeom prst="rect">
+            <a:avLst/>
+          </a:prstGeom>
+          <a:noFill/>
+          <a:ln>
+            <a:noFill/>
+          </a:ln>
+          <a:effectLst/>
+        </p:spPr>
+        <p:txBody>
+          <a:bodyPr vert="horz" wrap="square" lIns="91440" tIns="45720" rIns="91440" bIns="45720" numCol="1" anchor="ctr" anchorCtr="0" compatLnSpc="1">
+            <a:prstTxWarp prst="textNoShape">
+              <a:avLst/>
+            </a:prstTxWarp>
+            <a:spAutoFit/>
+          </a:bodyPr>
+          <a:lstStyle/>
+          <a:p>
+            <a:pPr marL="0" marR="0" lvl="0" indent="0" algn="l" defTabSz="914400" rtl="0" eaLnBrk="0" fontAlgn="base" latinLnBrk="0" hangingPunct="0">
+              <a:lnSpc>
+                <a:spcPct val="100000"/>
+              </a:lnSpc>
+              <a:spcBef>
+                <a:spcPct val="0"/>
+              </a:spcBef>
+              <a:spcAft>
+                <a:spcPct val="0"/>
+              </a:spcAft>
+              <a:buClrTx/>
+              <a:buSzTx/>
+              <a:buFontTx/>
+              <a:buNone/>
+              <a:tabLst/>
+            </a:pPr>
+            <a:r>
+              <a:rPr kumimoji="0" lang="uk-UA" altLang="uk-UA" b="0" i="0" u="none" strike="noStrike" cap="none" normalizeH="0" baseline="0" dirty="0" err="1">
+                <a:ln>
+                  <a:noFill/>
+                </a:ln>
+                <a:solidFill>
+                  <a:srgbClr val="A9B7C6"/>
+                </a:solidFill>
+                <a:effectLst/>
+                <a:latin typeface="Courier New" panose="02070309020205020404" pitchFamily="49" charset="0"/>
+                <a:cs typeface="Courier New" panose="02070309020205020404" pitchFamily="49" charset="0"/>
+              </a:rPr>
+              <a:t>String</a:t>
+            </a:r>
+            <a:r>
+              <a:rPr kumimoji="0" lang="uk-UA" altLang="uk-UA" b="0" i="0" u="none" strike="noStrike" cap="none" normalizeH="0" baseline="0" dirty="0">
+                <a:ln>
+                  <a:noFill/>
+                </a:ln>
+                <a:solidFill>
+                  <a:srgbClr val="A9B7C6"/>
+                </a:solidFill>
+                <a:effectLst/>
+                <a:latin typeface="Courier New" panose="02070309020205020404" pitchFamily="49" charset="0"/>
+                <a:cs typeface="Courier New" panose="02070309020205020404" pitchFamily="49" charset="0"/>
+              </a:rPr>
+              <a:t> s2 = </a:t>
+            </a:r>
+            <a:r>
+              <a:rPr kumimoji="0" lang="uk-UA" altLang="uk-UA" b="0" i="0" u="none" strike="noStrike" cap="none" normalizeH="0" baseline="0" dirty="0" err="1">
+                <a:ln>
+                  <a:noFill/>
+                </a:ln>
+                <a:solidFill>
+                  <a:srgbClr val="A9B7C6"/>
+                </a:solidFill>
+                <a:effectLst/>
+                <a:latin typeface="Courier New" panose="02070309020205020404" pitchFamily="49" charset="0"/>
+                <a:cs typeface="Courier New" panose="02070309020205020404" pitchFamily="49" charset="0"/>
+              </a:rPr>
+              <a:t>s.replaceAll</a:t>
+            </a:r>
+            <a:r>
+              <a:rPr kumimoji="0" lang="uk-UA" altLang="uk-UA" b="0" i="0" u="none" strike="noStrike" cap="none" normalizeH="0" baseline="0" dirty="0">
+                <a:ln>
+                  <a:noFill/>
+                </a:ln>
+                <a:solidFill>
+                  <a:srgbClr val="A9B7C6"/>
+                </a:solidFill>
+                <a:effectLst/>
+                <a:latin typeface="Courier New" panose="02070309020205020404" pitchFamily="49" charset="0"/>
+                <a:cs typeface="Courier New" panose="02070309020205020404" pitchFamily="49" charset="0"/>
+              </a:rPr>
+              <a:t>(</a:t>
+            </a:r>
+            <a:r>
+              <a:rPr kumimoji="0" lang="uk-UA" altLang="uk-UA" b="0" i="0" u="none" strike="noStrike" cap="none" normalizeH="0" baseline="0" dirty="0">
+                <a:ln>
+                  <a:noFill/>
+                </a:ln>
+                <a:solidFill>
+                  <a:srgbClr val="6A8759"/>
+                </a:solidFill>
+                <a:effectLst/>
+                <a:latin typeface="Courier New" panose="02070309020205020404" pitchFamily="49" charset="0"/>
+                <a:cs typeface="Courier New" panose="02070309020205020404" pitchFamily="49" charset="0"/>
+              </a:rPr>
+              <a:t>"</a:t>
+            </a:r>
+            <a:r>
+              <a:rPr kumimoji="0" lang="uk-UA" altLang="uk-UA" b="0" i="0" u="none" strike="noStrike" cap="none" normalizeH="0" baseline="0" dirty="0">
+                <a:ln>
+                  <a:noFill/>
+                </a:ln>
+                <a:solidFill>
+                  <a:srgbClr val="CC7832"/>
+                </a:solidFill>
+                <a:effectLst/>
+                <a:latin typeface="Courier New" panose="02070309020205020404" pitchFamily="49" charset="0"/>
+                <a:cs typeface="Courier New" panose="02070309020205020404" pitchFamily="49" charset="0"/>
+              </a:rPr>
+              <a:t>\\</a:t>
+            </a:r>
+            <a:r>
+              <a:rPr kumimoji="0" lang="uk-UA" altLang="uk-UA" b="0" i="0" u="none" strike="noStrike" cap="none" normalizeH="0" baseline="0" dirty="0">
+                <a:ln>
+                  <a:noFill/>
+                </a:ln>
+                <a:solidFill>
+                  <a:srgbClr val="6A8759"/>
+                </a:solidFill>
+                <a:effectLst/>
+                <a:latin typeface="Courier New" panose="02070309020205020404" pitchFamily="49" charset="0"/>
+                <a:cs typeface="Courier New" panose="02070309020205020404" pitchFamily="49" charset="0"/>
+              </a:rPr>
+              <a:t>s*, </a:t>
+            </a:r>
+            <a:r>
+              <a:rPr kumimoji="0" lang="uk-UA" altLang="uk-UA" b="0" i="0" u="none" strike="noStrike" cap="none" normalizeH="0" baseline="0" dirty="0">
+                <a:ln>
+                  <a:noFill/>
+                </a:ln>
+                <a:solidFill>
+                  <a:srgbClr val="CC7832"/>
+                </a:solidFill>
+                <a:effectLst/>
+                <a:latin typeface="Courier New" panose="02070309020205020404" pitchFamily="49" charset="0"/>
+                <a:cs typeface="Courier New" panose="02070309020205020404" pitchFamily="49" charset="0"/>
+              </a:rPr>
+              <a:t>\\</a:t>
+            </a:r>
+            <a:r>
+              <a:rPr kumimoji="0" lang="uk-UA" altLang="uk-UA" b="0" i="0" u="none" strike="noStrike" cap="none" normalizeH="0" baseline="0" dirty="0">
+                <a:ln>
+                  <a:noFill/>
+                </a:ln>
+                <a:solidFill>
+                  <a:srgbClr val="6A8759"/>
+                </a:solidFill>
+                <a:effectLst/>
+                <a:latin typeface="Courier New" panose="02070309020205020404" pitchFamily="49" charset="0"/>
+                <a:cs typeface="Courier New" panose="02070309020205020404" pitchFamily="49" charset="0"/>
+              </a:rPr>
+              <a:t>s*"</a:t>
+            </a:r>
+            <a:r>
+              <a:rPr kumimoji="0" lang="uk-UA" altLang="uk-UA" b="0" i="0" u="none" strike="noStrike" cap="none" normalizeH="0" baseline="0" dirty="0">
+                <a:ln>
+                  <a:noFill/>
+                </a:ln>
+                <a:solidFill>
+                  <a:srgbClr val="CC7832"/>
+                </a:solidFill>
+                <a:effectLst/>
+                <a:latin typeface="Courier New" panose="02070309020205020404" pitchFamily="49" charset="0"/>
+                <a:cs typeface="Courier New" panose="02070309020205020404" pitchFamily="49" charset="0"/>
+              </a:rPr>
+              <a:t>, </a:t>
+            </a:r>
+            <a:r>
+              <a:rPr kumimoji="0" lang="uk-UA" altLang="uk-UA" b="0" i="0" u="none" strike="noStrike" cap="none" normalizeH="0" baseline="0" dirty="0">
+                <a:ln>
+                  <a:noFill/>
+                </a:ln>
+                <a:solidFill>
+                  <a:srgbClr val="6A8759"/>
+                </a:solidFill>
+                <a:effectLst/>
+                <a:latin typeface="Courier New" panose="02070309020205020404" pitchFamily="49" charset="0"/>
+                <a:cs typeface="Courier New" panose="02070309020205020404" pitchFamily="49" charset="0"/>
+              </a:rPr>
+              <a:t>"-"</a:t>
+            </a:r>
+            <a:r>
+              <a:rPr kumimoji="0" lang="uk-UA" altLang="uk-UA" b="0" i="0" u="none" strike="noStrike" cap="none" normalizeH="0" baseline="0" dirty="0">
+                <a:ln>
+                  <a:noFill/>
+                </a:ln>
+                <a:solidFill>
+                  <a:srgbClr val="A9B7C6"/>
+                </a:solidFill>
+                <a:effectLst/>
+                <a:latin typeface="Courier New" panose="02070309020205020404" pitchFamily="49" charset="0"/>
+                <a:cs typeface="Courier New" panose="02070309020205020404" pitchFamily="49" charset="0"/>
+              </a:rPr>
+              <a:t>)</a:t>
+            </a:r>
+            <a:r>
+              <a:rPr kumimoji="0" lang="uk-UA" altLang="uk-UA" b="0" i="0" u="none" strike="noStrike" cap="none" normalizeH="0" baseline="0" dirty="0">
+                <a:ln>
+                  <a:noFill/>
+                </a:ln>
+                <a:solidFill>
+                  <a:srgbClr val="CC7832"/>
+                </a:solidFill>
+                <a:effectLst/>
+                <a:latin typeface="Courier New" panose="02070309020205020404" pitchFamily="49" charset="0"/>
+                <a:cs typeface="Courier New" panose="02070309020205020404" pitchFamily="49" charset="0"/>
+              </a:rPr>
+              <a:t>;</a:t>
+            </a:r>
+            <a:br>
+              <a:rPr kumimoji="0" lang="uk-UA" altLang="uk-UA" b="0" i="0" u="none" strike="noStrike" cap="none" normalizeH="0" baseline="0" dirty="0">
+                <a:ln>
+                  <a:noFill/>
+                </a:ln>
+                <a:solidFill>
+                  <a:srgbClr val="CC7832"/>
+                </a:solidFill>
+                <a:effectLst/>
+                <a:latin typeface="Courier New" panose="02070309020205020404" pitchFamily="49" charset="0"/>
+                <a:cs typeface="Courier New" panose="02070309020205020404" pitchFamily="49" charset="0"/>
+              </a:rPr>
+            </a:br>
+            <a:r>
+              <a:rPr kumimoji="0" lang="uk-UA" altLang="uk-UA" b="0" i="0" u="none" strike="noStrike" cap="none" normalizeH="0" baseline="0" dirty="0" err="1">
+                <a:ln>
+                  <a:noFill/>
+                </a:ln>
+                <a:solidFill>
+                  <a:srgbClr val="A9B7C6"/>
+                </a:solidFill>
+                <a:effectLst/>
+                <a:latin typeface="Courier New" panose="02070309020205020404" pitchFamily="49" charset="0"/>
+                <a:cs typeface="Courier New" panose="02070309020205020404" pitchFamily="49" charset="0"/>
+              </a:rPr>
+              <a:t>System.</a:t>
+            </a:r>
+            <a:r>
+              <a:rPr kumimoji="0" lang="uk-UA" altLang="uk-UA" b="0" i="1" u="none" strike="noStrike" cap="none" normalizeH="0" baseline="0" dirty="0" err="1">
+                <a:ln>
+                  <a:noFill/>
+                </a:ln>
+                <a:solidFill>
+                  <a:srgbClr val="9876AA"/>
+                </a:solidFill>
+                <a:effectLst/>
+                <a:latin typeface="Courier New" panose="02070309020205020404" pitchFamily="49" charset="0"/>
+                <a:cs typeface="Courier New" panose="02070309020205020404" pitchFamily="49" charset="0"/>
+              </a:rPr>
+              <a:t>out</a:t>
+            </a:r>
+            <a:r>
+              <a:rPr kumimoji="0" lang="uk-UA" altLang="uk-UA" b="0" i="0" u="none" strike="noStrike" cap="none" normalizeH="0" baseline="0" dirty="0" err="1">
+                <a:ln>
+                  <a:noFill/>
+                </a:ln>
+                <a:solidFill>
+                  <a:srgbClr val="A9B7C6"/>
+                </a:solidFill>
+                <a:effectLst/>
+                <a:latin typeface="Courier New" panose="02070309020205020404" pitchFamily="49" charset="0"/>
+                <a:cs typeface="Courier New" panose="02070309020205020404" pitchFamily="49" charset="0"/>
+              </a:rPr>
+              <a:t>.println</a:t>
+            </a:r>
+            <a:r>
+              <a:rPr kumimoji="0" lang="uk-UA" altLang="uk-UA" b="0" i="0" u="none" strike="noStrike" cap="none" normalizeH="0" baseline="0" dirty="0">
+                <a:ln>
+                  <a:noFill/>
+                </a:ln>
+                <a:solidFill>
+                  <a:srgbClr val="A9B7C6"/>
+                </a:solidFill>
+                <a:effectLst/>
+                <a:latin typeface="Courier New" panose="02070309020205020404" pitchFamily="49" charset="0"/>
+                <a:cs typeface="Courier New" panose="02070309020205020404" pitchFamily="49" charset="0"/>
+              </a:rPr>
+              <a:t>(s2)</a:t>
+            </a:r>
+            <a:r>
+              <a:rPr kumimoji="0" lang="uk-UA" altLang="uk-UA" b="0" i="0" u="none" strike="noStrike" cap="none" normalizeH="0" baseline="0" dirty="0">
+                <a:ln>
+                  <a:noFill/>
+                </a:ln>
+                <a:solidFill>
+                  <a:srgbClr val="CC7832"/>
+                </a:solidFill>
+                <a:effectLst/>
+                <a:latin typeface="Courier New" panose="02070309020205020404" pitchFamily="49" charset="0"/>
+                <a:cs typeface="Courier New" panose="02070309020205020404" pitchFamily="49" charset="0"/>
+              </a:rPr>
+              <a:t>;</a:t>
+            </a:r>
+            <a:endParaRPr kumimoji="0" lang="uk-UA" altLang="uk-UA" sz="4000" b="0" i="0" u="none" strike="noStrike" cap="none" normalizeH="0" baseline="0" dirty="0">
+              <a:ln>
+                <a:noFill/>
+              </a:ln>
+              <a:solidFill>
+                <a:schemeClr val="tx1"/>
+              </a:solidFill>
+              <a:effectLst/>
+              <a:latin typeface="Courier New" panose="02070309020205020404" pitchFamily="49" charset="0"/>
+              <a:cs typeface="Courier New" panose="02070309020205020404" pitchFamily="49" charset="0"/>
+            </a:endParaRPr>
+          </a:p>
+        </p:txBody>
+      </p:sp>
       <p:graphicFrame>
         <p:nvGraphicFramePr>
-          <p:cNvPr id="79876" name="Объект 3"/>
+          <p:cNvPr id="9" name="Объект 7">
+            <a:extLst>
+              <a:ext uri="{FF2B5EF4-FFF2-40B4-BE49-F238E27FC236}">
+                <a16:creationId xmlns:a16="http://schemas.microsoft.com/office/drawing/2014/main" id="{ADF83674-5F0B-42C5-AC1F-09643B2E1176}"/>
+              </a:ext>
+            </a:extLst>
+          </p:cNvPr>
           <p:cNvGraphicFramePr>
             <a:graphicFrameLocks noChangeAspect="1"/>
           </p:cNvGraphicFramePr>
-          <p:nvPr/>
+          <p:nvPr>
+            <p:extLst>
+              <p:ext uri="{D42A27DB-BD31-4B8C-83A1-F6EECF244321}">
+                <p14:modId xmlns:p14="http://schemas.microsoft.com/office/powerpoint/2010/main" val="4040123797"/>
+              </p:ext>
+            </p:extLst>
+          </p:nvPr>
         </p:nvGraphicFramePr>
         <p:xfrm>
-          <a:off x="2144713" y="1482726"/>
-          <a:ext cx="4570412" cy="1082675"/>
+          <a:off x="9238505" y="3013161"/>
+          <a:ext cx="2438400" cy="531813"/>
         </p:xfrm>
         <a:graphic>
           <a:graphicData uri="http://schemas.openxmlformats.org/presentationml/2006/ole">
             <mc:AlternateContent xmlns:mc="http://schemas.openxmlformats.org/markup-compatibility/2006">
               <mc:Choice xmlns:v="urn:schemas-microsoft-com:vml" Requires="v">
-                <p:oleObj spid="_x0000_s1766" name="Visio" r:id="rId3" imgW="3046553" imgH="722342" progId="Visio.Drawing.11">
+                <p:oleObj spid="_x0000_s2064" name="Visio" r:id="rId3" imgW="1477656" imgH="322301" progId="Visio.Drawing.11">
                   <p:embed/>
                 </p:oleObj>
               </mc:Choice>
               <mc:Fallback>
-                <p:oleObj name="Visio" r:id="rId3" imgW="3046553" imgH="722342" progId="Visio.Drawing.11">
+                <p:oleObj name="Visio" r:id="rId3" imgW="1477656" imgH="322301" progId="Visio.Drawing.11">
                   <p:embed/>
                   <p:pic>
                     <p:nvPicPr>
-                      <p:cNvPr id="79876" name="Объект 3"/>
+                      <p:cNvPr id="79880" name="Объект 7"/>
                       <p:cNvPicPr>
                         <a:picLocks noChangeAspect="1" noChangeArrowheads="1"/>
                       </p:cNvPicPr>
@@ -13395,455 +14601,7 @@
                     </p:blipFill>
                     <p:spPr bwMode="auto">
                       <a:xfrm>
-                        <a:off x="2144713" y="1482726"/>
-                        <a:ext cx="4570412" cy="1082675"/>
-                      </a:xfrm>
-                      <a:prstGeom prst="rect">
-                        <a:avLst/>
-                      </a:prstGeom>
-                      <a:noFill/>
-                      <a:ln>
-                        <a:noFill/>
-                      </a:ln>
-                      <a:extLst>
-                        <a:ext uri="{909E8E84-426E-40DD-AFC4-6F175D3DCCD1}">
-                          <a14:hiddenFill xmlns:a14="http://schemas.microsoft.com/office/drawing/2010/main">
-                            <a:solidFill>
-                              <a:srgbClr val="FFFFFF"/>
-                            </a:solidFill>
-                          </a14:hiddenFill>
-                        </a:ext>
-                        <a:ext uri="{91240B29-F687-4F45-9708-019B960494DF}">
-                          <a14:hiddenLine xmlns:a14="http://schemas.microsoft.com/office/drawing/2010/main" w="9525">
-                            <a:solidFill>
-                              <a:srgbClr val="000000"/>
-                            </a:solidFill>
-                            <a:miter lim="800000"/>
-                            <a:headEnd/>
-                            <a:tailEnd/>
-                          </a14:hiddenLine>
-                        </a:ext>
-                      </a:extLst>
-                    </p:spPr>
-                  </p:pic>
-                </p:oleObj>
-              </mc:Fallback>
-            </mc:AlternateContent>
-          </a:graphicData>
-        </a:graphic>
-      </p:graphicFrame>
-      <p:graphicFrame>
-        <p:nvGraphicFramePr>
-          <p:cNvPr id="79877" name="Объект 4"/>
-          <p:cNvGraphicFramePr>
-            <a:graphicFrameLocks noChangeAspect="1"/>
-          </p:cNvGraphicFramePr>
-          <p:nvPr/>
-        </p:nvGraphicFramePr>
-        <p:xfrm>
-          <a:off x="7767639" y="1516063"/>
-          <a:ext cx="782637" cy="1206500"/>
-        </p:xfrm>
-        <a:graphic>
-          <a:graphicData uri="http://schemas.openxmlformats.org/presentationml/2006/ole">
-            <mc:AlternateContent xmlns:mc="http://schemas.openxmlformats.org/markup-compatibility/2006">
-              <mc:Choice xmlns:v="urn:schemas-microsoft-com:vml" Requires="v">
-                <p:oleObj spid="_x0000_s1767" name="Visio" r:id="rId5" imgW="445402" imgH="688061" progId="Visio.Drawing.11">
-                  <p:embed/>
-                </p:oleObj>
-              </mc:Choice>
-              <mc:Fallback>
-                <p:oleObj name="Visio" r:id="rId5" imgW="445402" imgH="688061" progId="Visio.Drawing.11">
-                  <p:embed/>
-                  <p:pic>
-                    <p:nvPicPr>
-                      <p:cNvPr id="79877" name="Объект 4"/>
-                      <p:cNvPicPr>
-                        <a:picLocks noChangeAspect="1" noChangeArrowheads="1"/>
-                      </p:cNvPicPr>
-                      <p:nvPr/>
-                    </p:nvPicPr>
-                    <p:blipFill>
-                      <a:blip r:embed="rId6">
-                        <a:extLst>
-                          <a:ext uri="{28A0092B-C50C-407E-A947-70E740481C1C}">
-                            <a14:useLocalDpi xmlns:a14="http://schemas.microsoft.com/office/drawing/2010/main" val="0"/>
-                          </a:ext>
-                        </a:extLst>
-                      </a:blip>
-                      <a:srcRect/>
-                      <a:stretch>
-                        <a:fillRect/>
-                      </a:stretch>
-                    </p:blipFill>
-                    <p:spPr bwMode="auto">
-                      <a:xfrm>
-                        <a:off x="7767639" y="1516063"/>
-                        <a:ext cx="782637" cy="1206500"/>
-                      </a:xfrm>
-                      <a:prstGeom prst="rect">
-                        <a:avLst/>
-                      </a:prstGeom>
-                      <a:noFill/>
-                      <a:ln>
-                        <a:noFill/>
-                      </a:ln>
-                      <a:extLst>
-                        <a:ext uri="{909E8E84-426E-40DD-AFC4-6F175D3DCCD1}">
-                          <a14:hiddenFill xmlns:a14="http://schemas.microsoft.com/office/drawing/2010/main">
-                            <a:solidFill>
-                              <a:srgbClr val="FFFFFF"/>
-                            </a:solidFill>
-                          </a14:hiddenFill>
-                        </a:ext>
-                        <a:ext uri="{91240B29-F687-4F45-9708-019B960494DF}">
-                          <a14:hiddenLine xmlns:a14="http://schemas.microsoft.com/office/drawing/2010/main" w="9525">
-                            <a:solidFill>
-                              <a:srgbClr val="000000"/>
-                            </a:solidFill>
-                            <a:miter lim="800000"/>
-                            <a:headEnd/>
-                            <a:tailEnd/>
-                          </a14:hiddenLine>
-                        </a:ext>
-                      </a:extLst>
-                    </p:spPr>
-                  </p:pic>
-                </p:oleObj>
-              </mc:Fallback>
-            </mc:AlternateContent>
-          </a:graphicData>
-        </a:graphic>
-      </p:graphicFrame>
-      <p:sp>
-        <p:nvSpPr>
-          <p:cNvPr id="79878" name="AutoShape 5"/>
-          <p:cNvSpPr>
-            <a:spLocks noChangeArrowheads="1"/>
-          </p:cNvSpPr>
-          <p:nvPr/>
-        </p:nvSpPr>
-        <p:spPr bwMode="auto">
-          <a:xfrm>
-            <a:off x="6810375" y="1957388"/>
-            <a:ext cx="781050" cy="323850"/>
-          </a:xfrm>
-          <a:prstGeom prst="rightArrow">
-            <a:avLst>
-              <a:gd name="adj1" fmla="val 50000"/>
-              <a:gd name="adj2" fmla="val 60294"/>
-            </a:avLst>
-          </a:prstGeom>
-          <a:solidFill>
-            <a:schemeClr val="accent1"/>
-          </a:solidFill>
-          <a:ln w="9525">
-            <a:solidFill>
-              <a:schemeClr val="tx1"/>
-            </a:solidFill>
-            <a:miter lim="800000"/>
-            <a:headEnd/>
-            <a:tailEnd/>
-          </a:ln>
-          <a:effectLst/>
-          <a:extLst>
-            <a:ext uri="{AF507438-7753-43E0-B8FC-AC1667EBCBE1}">
-              <a14:hiddenEffects xmlns:a14="http://schemas.microsoft.com/office/drawing/2010/main">
-                <a:effectLst>
-                  <a:outerShdw dist="35921" dir="2700000" algn="ctr" rotWithShape="0">
-                    <a:schemeClr val="bg2"/>
-                  </a:outerShdw>
-                </a:effectLst>
-              </a14:hiddenEffects>
-            </a:ext>
-          </a:extLst>
-        </p:spPr>
-        <p:txBody>
-          <a:bodyPr wrap="none" anchor="ctr"/>
-          <a:lstStyle>
-            <a:lvl1pPr eaLnBrk="0" hangingPunct="0">
-              <a:spcAft>
-                <a:spcPct val="40000"/>
-              </a:spcAft>
-              <a:buClr>
-                <a:srgbClr val="004587"/>
-              </a:buClr>
-              <a:buFont typeface="Wingdings" panose="05000000000000000000" pitchFamily="2" charset="2"/>
-              <a:buChar char="§"/>
-              <a:defRPr sz="2000">
-                <a:solidFill>
-                  <a:schemeClr val="tx1"/>
-                </a:solidFill>
-                <a:latin typeface="Arial" panose="020B0604020202020204" pitchFamily="34" charset="0"/>
-                <a:cs typeface="Arial" panose="020B0604020202020204" pitchFamily="34" charset="0"/>
-              </a:defRPr>
-            </a:lvl1pPr>
-            <a:lvl2pPr marL="742950" indent="-285750" eaLnBrk="0" hangingPunct="0">
-              <a:spcAft>
-                <a:spcPct val="40000"/>
-              </a:spcAft>
-              <a:buClr>
-                <a:srgbClr val="004587"/>
-              </a:buClr>
-              <a:buChar char="–"/>
-              <a:defRPr>
-                <a:solidFill>
-                  <a:schemeClr val="tx1"/>
-                </a:solidFill>
-                <a:latin typeface="Arial" panose="020B0604020202020204" pitchFamily="34" charset="0"/>
-                <a:cs typeface="Arial" panose="020B0604020202020204" pitchFamily="34" charset="0"/>
-              </a:defRPr>
-            </a:lvl2pPr>
-            <a:lvl3pPr marL="1143000" indent="-228600" eaLnBrk="0" hangingPunct="0">
-              <a:spcAft>
-                <a:spcPct val="40000"/>
-              </a:spcAft>
-              <a:buClr>
-                <a:srgbClr val="004587"/>
-              </a:buClr>
-              <a:buChar char="•"/>
-              <a:defRPr sz="1600">
-                <a:solidFill>
-                  <a:schemeClr val="tx1"/>
-                </a:solidFill>
-                <a:latin typeface="Arial" panose="020B0604020202020204" pitchFamily="34" charset="0"/>
-                <a:cs typeface="Arial" panose="020B0604020202020204" pitchFamily="34" charset="0"/>
-              </a:defRPr>
-            </a:lvl3pPr>
-            <a:lvl4pPr marL="1600200" indent="-228600" eaLnBrk="0" hangingPunct="0">
-              <a:spcAft>
-                <a:spcPct val="40000"/>
-              </a:spcAft>
-              <a:buChar char="–"/>
-              <a:defRPr sz="2000">
-                <a:solidFill>
-                  <a:schemeClr val="tx1"/>
-                </a:solidFill>
-                <a:latin typeface="Arial" panose="020B0604020202020204" pitchFamily="34" charset="0"/>
-                <a:cs typeface="Arial" panose="020B0604020202020204" pitchFamily="34" charset="0"/>
-              </a:defRPr>
-            </a:lvl4pPr>
-            <a:lvl5pPr marL="2057400" indent="-228600" eaLnBrk="0" hangingPunct="0">
-              <a:spcAft>
-                <a:spcPct val="40000"/>
-              </a:spcAft>
-              <a:buChar char="»"/>
-              <a:defRPr sz="2000">
-                <a:solidFill>
-                  <a:schemeClr val="tx1"/>
-                </a:solidFill>
-                <a:latin typeface="Arial" panose="020B0604020202020204" pitchFamily="34" charset="0"/>
-                <a:cs typeface="Arial" panose="020B0604020202020204" pitchFamily="34" charset="0"/>
-              </a:defRPr>
-            </a:lvl5pPr>
-            <a:lvl6pPr marL="2514600" indent="-228600" eaLnBrk="0" fontAlgn="base" hangingPunct="0">
-              <a:spcBef>
-                <a:spcPct val="0"/>
-              </a:spcBef>
-              <a:spcAft>
-                <a:spcPct val="40000"/>
-              </a:spcAft>
-              <a:buChar char="»"/>
-              <a:defRPr sz="2000">
-                <a:solidFill>
-                  <a:schemeClr val="tx1"/>
-                </a:solidFill>
-                <a:latin typeface="Arial" panose="020B0604020202020204" pitchFamily="34" charset="0"/>
-                <a:cs typeface="Arial" panose="020B0604020202020204" pitchFamily="34" charset="0"/>
-              </a:defRPr>
-            </a:lvl6pPr>
-            <a:lvl7pPr marL="2971800" indent="-228600" eaLnBrk="0" fontAlgn="base" hangingPunct="0">
-              <a:spcBef>
-                <a:spcPct val="0"/>
-              </a:spcBef>
-              <a:spcAft>
-                <a:spcPct val="40000"/>
-              </a:spcAft>
-              <a:buChar char="»"/>
-              <a:defRPr sz="2000">
-                <a:solidFill>
-                  <a:schemeClr val="tx1"/>
-                </a:solidFill>
-                <a:latin typeface="Arial" panose="020B0604020202020204" pitchFamily="34" charset="0"/>
-                <a:cs typeface="Arial" panose="020B0604020202020204" pitchFamily="34" charset="0"/>
-              </a:defRPr>
-            </a:lvl7pPr>
-            <a:lvl8pPr marL="3429000" indent="-228600" eaLnBrk="0" fontAlgn="base" hangingPunct="0">
-              <a:spcBef>
-                <a:spcPct val="0"/>
-              </a:spcBef>
-              <a:spcAft>
-                <a:spcPct val="40000"/>
-              </a:spcAft>
-              <a:buChar char="»"/>
-              <a:defRPr sz="2000">
-                <a:solidFill>
-                  <a:schemeClr val="tx1"/>
-                </a:solidFill>
-                <a:latin typeface="Arial" panose="020B0604020202020204" pitchFamily="34" charset="0"/>
-                <a:cs typeface="Arial" panose="020B0604020202020204" pitchFamily="34" charset="0"/>
-              </a:defRPr>
-            </a:lvl8pPr>
-            <a:lvl9pPr marL="3886200" indent="-228600" eaLnBrk="0" fontAlgn="base" hangingPunct="0">
-              <a:spcBef>
-                <a:spcPct val="0"/>
-              </a:spcBef>
-              <a:spcAft>
-                <a:spcPct val="40000"/>
-              </a:spcAft>
-              <a:buChar char="»"/>
-              <a:defRPr sz="2000">
-                <a:solidFill>
-                  <a:schemeClr val="tx1"/>
-                </a:solidFill>
-                <a:latin typeface="Arial" panose="020B0604020202020204" pitchFamily="34" charset="0"/>
-                <a:cs typeface="Arial" panose="020B0604020202020204" pitchFamily="34" charset="0"/>
-              </a:defRPr>
-            </a:lvl9pPr>
-          </a:lstStyle>
-          <a:p>
-            <a:pPr eaLnBrk="1" hangingPunct="1">
-              <a:spcAft>
-                <a:spcPct val="0"/>
-              </a:spcAft>
-              <a:buClrTx/>
-              <a:buFontTx/>
-              <a:buNone/>
-            </a:pPr>
-            <a:endParaRPr lang="ru-RU" altLang="ru-RU"/>
-          </a:p>
-        </p:txBody>
-      </p:sp>
-      <p:graphicFrame>
-        <p:nvGraphicFramePr>
-          <p:cNvPr id="79879" name="Объект 6"/>
-          <p:cNvGraphicFramePr>
-            <a:graphicFrameLocks noChangeAspect="1"/>
-          </p:cNvGraphicFramePr>
-          <p:nvPr/>
-        </p:nvGraphicFramePr>
-        <p:xfrm>
-          <a:off x="2074864" y="3067050"/>
-          <a:ext cx="5449887" cy="577850"/>
-        </p:xfrm>
-        <a:graphic>
-          <a:graphicData uri="http://schemas.openxmlformats.org/presentationml/2006/ole">
-            <mc:AlternateContent xmlns:mc="http://schemas.openxmlformats.org/markup-compatibility/2006">
-              <mc:Choice xmlns:v="urn:schemas-microsoft-com:vml" Requires="v">
-                <p:oleObj spid="_x0000_s1768" name="Visio" r:id="rId7" imgW="3633404" imgH="385465" progId="Visio.Drawing.11">
-                  <p:embed/>
-                </p:oleObj>
-              </mc:Choice>
-              <mc:Fallback>
-                <p:oleObj name="Visio" r:id="rId7" imgW="3633404" imgH="385465" progId="Visio.Drawing.11">
-                  <p:embed/>
-                  <p:pic>
-                    <p:nvPicPr>
-                      <p:cNvPr id="79879" name="Объект 6"/>
-                      <p:cNvPicPr>
-                        <a:picLocks noChangeAspect="1" noChangeArrowheads="1"/>
-                      </p:cNvPicPr>
-                      <p:nvPr/>
-                    </p:nvPicPr>
-                    <p:blipFill>
-                      <a:blip r:embed="rId8">
-                        <a:extLst>
-                          <a:ext uri="{28A0092B-C50C-407E-A947-70E740481C1C}">
-                            <a14:useLocalDpi xmlns:a14="http://schemas.microsoft.com/office/drawing/2010/main" val="0"/>
-                          </a:ext>
-                        </a:extLst>
-                      </a:blip>
-                      <a:srcRect/>
-                      <a:stretch>
-                        <a:fillRect/>
-                      </a:stretch>
-                    </p:blipFill>
-                    <p:spPr bwMode="auto">
-                      <a:xfrm>
-                        <a:off x="2074864" y="3067050"/>
-                        <a:ext cx="5449887" cy="577850"/>
-                      </a:xfrm>
-                      <a:prstGeom prst="rect">
-                        <a:avLst/>
-                      </a:prstGeom>
-                      <a:noFill/>
-                      <a:ln>
-                        <a:noFill/>
-                      </a:ln>
-                      <a:extLst>
-                        <a:ext uri="{909E8E84-426E-40DD-AFC4-6F175D3DCCD1}">
-                          <a14:hiddenFill xmlns:a14="http://schemas.microsoft.com/office/drawing/2010/main">
-                            <a:solidFill>
-                              <a:srgbClr val="FFFFFF"/>
-                            </a:solidFill>
-                          </a14:hiddenFill>
-                        </a:ext>
-                        <a:ext uri="{91240B29-F687-4F45-9708-019B960494DF}">
-                          <a14:hiddenLine xmlns:a14="http://schemas.microsoft.com/office/drawing/2010/main" w="9525">
-                            <a:solidFill>
-                              <a:srgbClr val="000000"/>
-                            </a:solidFill>
-                            <a:miter lim="800000"/>
-                            <a:headEnd/>
-                            <a:tailEnd/>
-                          </a14:hiddenLine>
-                        </a:ext>
-                      </a:extLst>
-                    </p:spPr>
-                  </p:pic>
-                </p:oleObj>
-              </mc:Fallback>
-            </mc:AlternateContent>
-          </a:graphicData>
-        </a:graphic>
-      </p:graphicFrame>
-      <p:graphicFrame>
-        <p:nvGraphicFramePr>
-          <p:cNvPr id="79880" name="Объект 7"/>
-          <p:cNvGraphicFramePr>
-            <a:graphicFrameLocks noChangeAspect="1"/>
-          </p:cNvGraphicFramePr>
-          <p:nvPr/>
-        </p:nvGraphicFramePr>
-        <p:xfrm>
-          <a:off x="8058150" y="2946401"/>
-          <a:ext cx="2438400" cy="531813"/>
-        </p:xfrm>
-        <a:graphic>
-          <a:graphicData uri="http://schemas.openxmlformats.org/presentationml/2006/ole">
-            <mc:AlternateContent xmlns:mc="http://schemas.openxmlformats.org/markup-compatibility/2006">
-              <mc:Choice xmlns:v="urn:schemas-microsoft-com:vml" Requires="v">
-                <p:oleObj spid="_x0000_s1769" name="Visio" r:id="rId9" imgW="1477656" imgH="322301" progId="Visio.Drawing.11">
-                  <p:embed/>
-                </p:oleObj>
-              </mc:Choice>
-              <mc:Fallback>
-                <p:oleObj name="Visio" r:id="rId9" imgW="1477656" imgH="322301" progId="Visio.Drawing.11">
-                  <p:embed/>
-                  <p:pic>
-                    <p:nvPicPr>
-                      <p:cNvPr id="79880" name="Объект 7"/>
-                      <p:cNvPicPr>
-                        <a:picLocks noChangeAspect="1" noChangeArrowheads="1"/>
-                      </p:cNvPicPr>
-                      <p:nvPr/>
-                    </p:nvPicPr>
-                    <p:blipFill>
-                      <a:blip r:embed="rId10">
-                        <a:extLst>
-                          <a:ext uri="{28A0092B-C50C-407E-A947-70E740481C1C}">
-                            <a14:useLocalDpi xmlns:a14="http://schemas.microsoft.com/office/drawing/2010/main" val="0"/>
-                          </a:ext>
-                        </a:extLst>
-                      </a:blip>
-                      <a:srcRect/>
-                      <a:stretch>
-                        <a:fillRect/>
-                      </a:stretch>
-                    </p:blipFill>
-                    <p:spPr bwMode="auto">
-                      <a:xfrm>
-                        <a:off x="8058150" y="2946401"/>
+                        <a:off x="9238505" y="3013161"/>
                         <a:ext cx="2438400" cy="531813"/>
                       </a:xfrm>
                       <a:prstGeom prst="rect">
@@ -13882,26 +14640,38 @@
       </p:graphicFrame>
       <p:graphicFrame>
         <p:nvGraphicFramePr>
-          <p:cNvPr id="79881" name="Объект 8"/>
+          <p:cNvPr id="11" name="Объект 8">
+            <a:extLst>
+              <a:ext uri="{FF2B5EF4-FFF2-40B4-BE49-F238E27FC236}">
+                <a16:creationId xmlns:a16="http://schemas.microsoft.com/office/drawing/2014/main" id="{B1951316-7FB4-4EB7-9990-5D1BE8D24DA5}"/>
+              </a:ext>
+            </a:extLst>
+          </p:cNvPr>
           <p:cNvGraphicFramePr>
             <a:graphicFrameLocks noChangeAspect="1"/>
           </p:cNvGraphicFramePr>
-          <p:nvPr/>
+          <p:nvPr>
+            <p:extLst>
+              <p:ext uri="{D42A27DB-BD31-4B8C-83A1-F6EECF244321}">
+                <p14:modId xmlns:p14="http://schemas.microsoft.com/office/powerpoint/2010/main" val="3393259368"/>
+              </p:ext>
+            </p:extLst>
+          </p:nvPr>
         </p:nvGraphicFramePr>
         <p:xfrm>
-          <a:off x="2335213" y="3606800"/>
+          <a:off x="2123366" y="3733800"/>
           <a:ext cx="4946650" cy="577850"/>
         </p:xfrm>
         <a:graphic>
           <a:graphicData uri="http://schemas.openxmlformats.org/presentationml/2006/ole">
             <mc:AlternateContent xmlns:mc="http://schemas.openxmlformats.org/markup-compatibility/2006">
               <mc:Choice xmlns:v="urn:schemas-microsoft-com:vml" Requires="v">
-                <p:oleObj spid="_x0000_s1770" name="Visio" r:id="rId11" imgW="3298138" imgH="385465" progId="Visio.Drawing.11">
+                <p:oleObj spid="_x0000_s2065" name="Visio" r:id="rId5" imgW="3298138" imgH="385465" progId="Visio.Drawing.11">
                   <p:embed/>
                 </p:oleObj>
               </mc:Choice>
               <mc:Fallback>
-                <p:oleObj name="Visio" r:id="rId11" imgW="3298138" imgH="385465" progId="Visio.Drawing.11">
+                <p:oleObj name="Visio" r:id="rId5" imgW="3298138" imgH="385465" progId="Visio.Drawing.11">
                   <p:embed/>
                   <p:pic>
                     <p:nvPicPr>
@@ -13912,7 +14682,7 @@
                       <p:nvPr/>
                     </p:nvPicPr>
                     <p:blipFill>
-                      <a:blip r:embed="rId12">
+                      <a:blip r:embed="rId6">
                         <a:extLst>
                           <a:ext uri="{28A0092B-C50C-407E-A947-70E740481C1C}">
                             <a14:useLocalDpi xmlns:a14="http://schemas.microsoft.com/office/drawing/2010/main" val="0"/>
@@ -13926,7 +14696,7 @@
                     </p:blipFill>
                     <p:spPr bwMode="auto">
                       <a:xfrm>
-                        <a:off x="2335213" y="3606800"/>
+                        <a:off x="2123366" y="3733800"/>
                         <a:ext cx="4946650" cy="577850"/>
                       </a:xfrm>
                       <a:prstGeom prst="rect">
@@ -13965,7 +14735,13 @@
       </p:graphicFrame>
       <p:graphicFrame>
         <p:nvGraphicFramePr>
-          <p:cNvPr id="79882" name="Объект 9"/>
+          <p:cNvPr id="12" name="Объект 9">
+            <a:extLst>
+              <a:ext uri="{FF2B5EF4-FFF2-40B4-BE49-F238E27FC236}">
+                <a16:creationId xmlns:a16="http://schemas.microsoft.com/office/drawing/2014/main" id="{B86C0FEF-951B-48C9-BD96-4C3722E218D2}"/>
+              </a:ext>
+            </a:extLst>
+          </p:cNvPr>
           <p:cNvGraphicFramePr>
             <a:graphicFrameLocks noChangeAspect="1"/>
           </p:cNvGraphicFramePr>
@@ -13979,12 +14755,12 @@
           <a:graphicData uri="http://schemas.openxmlformats.org/presentationml/2006/ole">
             <mc:AlternateContent xmlns:mc="http://schemas.openxmlformats.org/markup-compatibility/2006">
               <mc:Choice xmlns:v="urn:schemas-microsoft-com:vml" Requires="v">
-                <p:oleObj spid="_x0000_s1771" name="Visio" r:id="rId13" imgW="1549731" imgH="322301" progId="Visio.Drawing.11">
+                <p:oleObj spid="_x0000_s2066" name="Visio" r:id="rId7" imgW="1549731" imgH="322301" progId="Visio.Drawing.11">
                   <p:embed/>
                 </p:oleObj>
               </mc:Choice>
               <mc:Fallback>
-                <p:oleObj name="Visio" r:id="rId13" imgW="1549731" imgH="322301" progId="Visio.Drawing.11">
+                <p:oleObj name="Visio" r:id="rId7" imgW="1549731" imgH="322301" progId="Visio.Drawing.11">
                   <p:embed/>
                   <p:pic>
                     <p:nvPicPr>
@@ -13995,7 +14771,7 @@
                       <p:nvPr/>
                     </p:nvPicPr>
                     <p:blipFill>
-                      <a:blip r:embed="rId14">
+                      <a:blip r:embed="rId8">
                         <a:extLst>
                           <a:ext uri="{28A0092B-C50C-407E-A947-70E740481C1C}">
                             <a14:useLocalDpi xmlns:a14="http://schemas.microsoft.com/office/drawing/2010/main" val="0"/>
@@ -14048,26 +14824,38 @@
       </p:graphicFrame>
       <p:graphicFrame>
         <p:nvGraphicFramePr>
-          <p:cNvPr id="79883" name="Объект 10"/>
+          <p:cNvPr id="13" name="Объект 10">
+            <a:extLst>
+              <a:ext uri="{FF2B5EF4-FFF2-40B4-BE49-F238E27FC236}">
+                <a16:creationId xmlns:a16="http://schemas.microsoft.com/office/drawing/2014/main" id="{389B4D8A-FCA5-4A01-91FC-FCC0AF4C2326}"/>
+              </a:ext>
+            </a:extLst>
+          </p:cNvPr>
           <p:cNvGraphicFramePr>
             <a:graphicFrameLocks noChangeAspect="1"/>
           </p:cNvGraphicFramePr>
-          <p:nvPr/>
+          <p:nvPr>
+            <p:extLst>
+              <p:ext uri="{D42A27DB-BD31-4B8C-83A1-F6EECF244321}">
+                <p14:modId xmlns:p14="http://schemas.microsoft.com/office/powerpoint/2010/main" val="1953505952"/>
+              </p:ext>
+            </p:extLst>
+          </p:nvPr>
         </p:nvGraphicFramePr>
         <p:xfrm>
-          <a:off x="2081213" y="4165600"/>
+          <a:off x="1869366" y="4292600"/>
           <a:ext cx="4946650" cy="577850"/>
         </p:xfrm>
         <a:graphic>
           <a:graphicData uri="http://schemas.openxmlformats.org/presentationml/2006/ole">
             <mc:AlternateContent xmlns:mc="http://schemas.openxmlformats.org/markup-compatibility/2006">
               <mc:Choice xmlns:v="urn:schemas-microsoft-com:vml" Requires="v">
-                <p:oleObj spid="_x0000_s1772" name="Visio" r:id="rId15" imgW="3298138" imgH="385465" progId="Visio.Drawing.11">
+                <p:oleObj spid="_x0000_s2067" name="Visio" r:id="rId9" imgW="3298138" imgH="385465" progId="Visio.Drawing.11">
                   <p:embed/>
                 </p:oleObj>
               </mc:Choice>
               <mc:Fallback>
-                <p:oleObj name="Visio" r:id="rId15" imgW="3298138" imgH="385465" progId="Visio.Drawing.11">
+                <p:oleObj name="Visio" r:id="rId9" imgW="3298138" imgH="385465" progId="Visio.Drawing.11">
                   <p:embed/>
                   <p:pic>
                     <p:nvPicPr>
@@ -14078,7 +14866,7 @@
                       <p:nvPr/>
                     </p:nvPicPr>
                     <p:blipFill>
-                      <a:blip r:embed="rId16">
+                      <a:blip r:embed="rId10">
                         <a:extLst>
                           <a:ext uri="{28A0092B-C50C-407E-A947-70E740481C1C}">
                             <a14:useLocalDpi xmlns:a14="http://schemas.microsoft.com/office/drawing/2010/main" val="0"/>
@@ -14092,7 +14880,7 @@
                     </p:blipFill>
                     <p:spPr bwMode="auto">
                       <a:xfrm>
-                        <a:off x="2081213" y="4165600"/>
+                        <a:off x="1869366" y="4292600"/>
                         <a:ext cx="4946650" cy="577850"/>
                       </a:xfrm>
                       <a:prstGeom prst="rect">
@@ -14131,7 +14919,13 @@
       </p:graphicFrame>
       <p:graphicFrame>
         <p:nvGraphicFramePr>
-          <p:cNvPr id="79884" name="Объект 11"/>
+          <p:cNvPr id="14" name="Объект 11">
+            <a:extLst>
+              <a:ext uri="{FF2B5EF4-FFF2-40B4-BE49-F238E27FC236}">
+                <a16:creationId xmlns:a16="http://schemas.microsoft.com/office/drawing/2014/main" id="{6AC16756-526A-4EF6-9984-763B0E0A99F7}"/>
+              </a:ext>
+            </a:extLst>
+          </p:cNvPr>
           <p:cNvGraphicFramePr>
             <a:graphicFrameLocks noChangeAspect="1"/>
           </p:cNvGraphicFramePr>
@@ -14145,12 +14939,12 @@
           <a:graphicData uri="http://schemas.openxmlformats.org/presentationml/2006/ole">
             <mc:AlternateContent xmlns:mc="http://schemas.openxmlformats.org/markup-compatibility/2006">
               <mc:Choice xmlns:v="urn:schemas-microsoft-com:vml" Requires="v">
-                <p:oleObj spid="_x0000_s1773" name="Visio" r:id="rId17" imgW="1817242" imgH="322301" progId="Visio.Drawing.11">
+                <p:oleObj spid="_x0000_s2068" name="Visio" r:id="rId11" imgW="1817242" imgH="322301" progId="Visio.Drawing.11">
                   <p:embed/>
                 </p:oleObj>
               </mc:Choice>
               <mc:Fallback>
-                <p:oleObj name="Visio" r:id="rId17" imgW="1817242" imgH="322301" progId="Visio.Drawing.11">
+                <p:oleObj name="Visio" r:id="rId11" imgW="1817242" imgH="322301" progId="Visio.Drawing.11">
                   <p:embed/>
                   <p:pic>
                     <p:nvPicPr>
@@ -14161,7 +14955,7 @@
                       <p:nvPr/>
                     </p:nvPicPr>
                     <p:blipFill>
-                      <a:blip r:embed="rId18">
+                      <a:blip r:embed="rId12">
                         <a:extLst>
                           <a:ext uri="{28A0092B-C50C-407E-A947-70E740481C1C}">
                             <a14:useLocalDpi xmlns:a14="http://schemas.microsoft.com/office/drawing/2010/main" val="0"/>
@@ -14214,7 +15008,13 @@
       </p:graphicFrame>
       <p:sp>
         <p:nvSpPr>
-          <p:cNvPr id="79885" name="AutoShape 5"/>
+          <p:cNvPr id="15" name="AutoShape 5">
+            <a:extLst>
+              <a:ext uri="{FF2B5EF4-FFF2-40B4-BE49-F238E27FC236}">
+                <a16:creationId xmlns:a16="http://schemas.microsoft.com/office/drawing/2014/main" id="{C73A0569-7F3D-45D2-BFDF-58584456C650}"/>
+              </a:ext>
+            </a:extLst>
+          </p:cNvPr>
           <p:cNvSpPr>
             <a:spLocks noChangeArrowheads="1"/>
           </p:cNvSpPr>
@@ -14222,7 +15022,7 @@
         </p:nvSpPr>
         <p:spPr bwMode="auto">
           <a:xfrm>
-            <a:off x="7596189" y="3067050"/>
+            <a:off x="8759825" y="3171910"/>
             <a:ext cx="390525" cy="323850"/>
           </a:xfrm>
           <a:prstGeom prst="rightArrow">
@@ -14413,7 +15213,13 @@
       </p:sp>
       <p:sp>
         <p:nvSpPr>
-          <p:cNvPr id="79886" name="AutoShape 5"/>
+          <p:cNvPr id="16" name="AutoShape 5">
+            <a:extLst>
+              <a:ext uri="{FF2B5EF4-FFF2-40B4-BE49-F238E27FC236}">
+                <a16:creationId xmlns:a16="http://schemas.microsoft.com/office/drawing/2014/main" id="{7A1C24C8-2B50-4321-A417-5D23DC1CA1D0}"/>
+              </a:ext>
+            </a:extLst>
+          </p:cNvPr>
           <p:cNvSpPr>
             <a:spLocks noChangeArrowheads="1"/>
           </p:cNvSpPr>
@@ -14612,7 +15418,13 @@
       </p:sp>
       <p:sp>
         <p:nvSpPr>
-          <p:cNvPr id="79887" name="AutoShape 5"/>
+          <p:cNvPr id="17" name="AutoShape 5">
+            <a:extLst>
+              <a:ext uri="{FF2B5EF4-FFF2-40B4-BE49-F238E27FC236}">
+                <a16:creationId xmlns:a16="http://schemas.microsoft.com/office/drawing/2014/main" id="{F4FE4304-8F3C-4996-8E5F-A10E4FCD6586}"/>
+              </a:ext>
+            </a:extLst>
+          </p:cNvPr>
           <p:cNvSpPr>
             <a:spLocks noChangeArrowheads="1"/>
           </p:cNvSpPr>
@@ -14811,32 +15623,38 @@
       </p:sp>
       <p:graphicFrame>
         <p:nvGraphicFramePr>
-          <p:cNvPr id="79888" name="Объект 15"/>
+          <p:cNvPr id="18" name="Объект 15">
+            <a:extLst>
+              <a:ext uri="{FF2B5EF4-FFF2-40B4-BE49-F238E27FC236}">
+                <a16:creationId xmlns:a16="http://schemas.microsoft.com/office/drawing/2014/main" id="{288D4A86-38ED-4A6B-8AD4-5CFE7FFB6039}"/>
+              </a:ext>
+            </a:extLst>
+          </p:cNvPr>
           <p:cNvGraphicFramePr>
             <a:graphicFrameLocks noChangeAspect="1"/>
           </p:cNvGraphicFramePr>
           <p:nvPr>
             <p:extLst>
               <p:ext uri="{D42A27DB-BD31-4B8C-83A1-F6EECF244321}">
-                <p14:modId xmlns:p14="http://schemas.microsoft.com/office/powerpoint/2010/main" val="2363381337"/>
+                <p14:modId xmlns:p14="http://schemas.microsoft.com/office/powerpoint/2010/main" val="834289433"/>
               </p:ext>
             </p:extLst>
           </p:nvPr>
         </p:nvGraphicFramePr>
         <p:xfrm>
-          <a:off x="1992264" y="5430838"/>
+          <a:off x="1793959" y="5436394"/>
           <a:ext cx="5605463" cy="1347788"/>
         </p:xfrm>
         <a:graphic>
           <a:graphicData uri="http://schemas.openxmlformats.org/presentationml/2006/ole">
             <mc:AlternateContent xmlns:mc="http://schemas.openxmlformats.org/markup-compatibility/2006">
               <mc:Choice xmlns:v="urn:schemas-microsoft-com:vml" Requires="v">
-                <p:oleObj spid="_x0000_s1774" name="Visio" r:id="rId19" imgW="3717356" imgH="893750" progId="Visio.Drawing.11">
+                <p:oleObj spid="_x0000_s2069" name="Visio" r:id="rId13" imgW="3717356" imgH="893750" progId="Visio.Drawing.11">
                   <p:embed/>
                 </p:oleObj>
               </mc:Choice>
               <mc:Fallback>
-                <p:oleObj name="Visio" r:id="rId19" imgW="3717356" imgH="893750" progId="Visio.Drawing.11">
+                <p:oleObj name="Visio" r:id="rId13" imgW="3717356" imgH="893750" progId="Visio.Drawing.11">
                   <p:embed/>
                   <p:pic>
                     <p:nvPicPr>
@@ -14847,7 +15665,7 @@
                       <p:nvPr/>
                     </p:nvPicPr>
                     <p:blipFill>
-                      <a:blip r:embed="rId20">
+                      <a:blip r:embed="rId14">
                         <a:extLst>
                           <a:ext uri="{28A0092B-C50C-407E-A947-70E740481C1C}">
                             <a14:useLocalDpi xmlns:a14="http://schemas.microsoft.com/office/drawing/2010/main" val="0"/>
@@ -14861,7 +15679,7 @@
                     </p:blipFill>
                     <p:spPr bwMode="auto">
                       <a:xfrm>
-                        <a:off x="1992264" y="5430838"/>
+                        <a:off x="1793959" y="5436394"/>
                         <a:ext cx="5605463" cy="1347788"/>
                       </a:xfrm>
                       <a:prstGeom prst="rect">
@@ -14900,7 +15718,13 @@
       </p:graphicFrame>
       <p:sp>
         <p:nvSpPr>
-          <p:cNvPr id="79889" name="AutoShape 5"/>
+          <p:cNvPr id="19" name="AutoShape 5">
+            <a:extLst>
+              <a:ext uri="{FF2B5EF4-FFF2-40B4-BE49-F238E27FC236}">
+                <a16:creationId xmlns:a16="http://schemas.microsoft.com/office/drawing/2014/main" id="{CA2CC016-D008-463C-B8EA-AAC364AED08B}"/>
+              </a:ext>
+            </a:extLst>
+          </p:cNvPr>
           <p:cNvSpPr>
             <a:spLocks noChangeArrowheads="1"/>
           </p:cNvSpPr>
@@ -15099,7 +15923,13 @@
       </p:sp>
       <p:graphicFrame>
         <p:nvGraphicFramePr>
-          <p:cNvPr id="79890" name="Объект 17"/>
+          <p:cNvPr id="20" name="Объект 17">
+            <a:extLst>
+              <a:ext uri="{FF2B5EF4-FFF2-40B4-BE49-F238E27FC236}">
+                <a16:creationId xmlns:a16="http://schemas.microsoft.com/office/drawing/2014/main" id="{28950C18-95D8-4D46-86F7-8DD7057BCDCF}"/>
+              </a:ext>
+            </a:extLst>
+          </p:cNvPr>
           <p:cNvGraphicFramePr>
             <a:graphicFrameLocks noChangeAspect="1"/>
           </p:cNvGraphicFramePr>
@@ -15113,12 +15943,12 @@
           <a:graphicData uri="http://schemas.openxmlformats.org/presentationml/2006/ole">
             <mc:AlternateContent xmlns:mc="http://schemas.openxmlformats.org/markup-compatibility/2006">
               <mc:Choice xmlns:v="urn:schemas-microsoft-com:vml" Requires="v">
-                <p:oleObj spid="_x0000_s1775" name="Visio" r:id="rId21" imgW="635441" imgH="505046" progId="Visio.Drawing.11">
+                <p:oleObj spid="_x0000_s2070" name="Visio" r:id="rId15" imgW="635441" imgH="505046" progId="Visio.Drawing.11">
                   <p:embed/>
                 </p:oleObj>
               </mc:Choice>
               <mc:Fallback>
-                <p:oleObj name="Visio" r:id="rId21" imgW="635441" imgH="505046" progId="Visio.Drawing.11">
+                <p:oleObj name="Visio" r:id="rId15" imgW="635441" imgH="505046" progId="Visio.Drawing.11">
                   <p:embed/>
                   <p:pic>
                     <p:nvPicPr>
@@ -15129,7 +15959,7 @@
                       <p:nvPr/>
                     </p:nvPicPr>
                     <p:blipFill>
-                      <a:blip r:embed="rId22">
+                      <a:blip r:embed="rId16">
                         <a:extLst>
                           <a:ext uri="{28A0092B-C50C-407E-A947-70E740481C1C}">
                             <a14:useLocalDpi xmlns:a14="http://schemas.microsoft.com/office/drawing/2010/main" val="0"/>
@@ -15183,7 +16013,7 @@
     </p:spTree>
     <p:extLst>
       <p:ext uri="{BB962C8B-B14F-4D97-AF65-F5344CB8AC3E}">
-        <p14:creationId xmlns:p14="http://schemas.microsoft.com/office/powerpoint/2010/main" val="2866652012"/>
+        <p14:creationId xmlns:p14="http://schemas.microsoft.com/office/powerpoint/2010/main" val="2653761590"/>
       </p:ext>
     </p:extLst>
   </p:cSld>

--- a/Java Урок 10.2 Регулярні вирази.pptx
+++ b/Java Урок 10.2 Регулярні вирази.pptx
@@ -218,7 +218,7 @@
           <a:p>
             <a:fld id="{D188B97D-A147-4EE0-BAAF-930745F534A0}" type="datetimeFigureOut">
               <a:rPr lang="uk-UA" smtClean="0"/>
-              <a:t>10.02.2024</a:t>
+              <a:t>28.02.2024</a:t>
             </a:fld>
             <a:endParaRPr lang="uk-UA"/>
           </a:p>
@@ -719,7 +719,7 @@
           <a:p>
             <a:fld id="{45843C31-A71A-4565-B352-4957DD3DAAED}" type="datetimeFigureOut">
               <a:rPr lang="uk-UA" smtClean="0"/>
-              <a:t>10.02.2024</a:t>
+              <a:t>28.02.2024</a:t>
             </a:fld>
             <a:endParaRPr lang="uk-UA"/>
           </a:p>
@@ -919,7 +919,7 @@
           <a:p>
             <a:fld id="{45843C31-A71A-4565-B352-4957DD3DAAED}" type="datetimeFigureOut">
               <a:rPr lang="uk-UA" smtClean="0"/>
-              <a:t>10.02.2024</a:t>
+              <a:t>28.02.2024</a:t>
             </a:fld>
             <a:endParaRPr lang="uk-UA"/>
           </a:p>
@@ -1129,7 +1129,7 @@
           <a:p>
             <a:fld id="{45843C31-A71A-4565-B352-4957DD3DAAED}" type="datetimeFigureOut">
               <a:rPr lang="uk-UA" smtClean="0"/>
-              <a:t>10.02.2024</a:t>
+              <a:t>28.02.2024</a:t>
             </a:fld>
             <a:endParaRPr lang="uk-UA"/>
           </a:p>
@@ -1452,7 +1452,7 @@
           <a:p>
             <a:fld id="{45843C31-A71A-4565-B352-4957DD3DAAED}" type="datetimeFigureOut">
               <a:rPr lang="uk-UA" smtClean="0"/>
-              <a:t>10.02.2024</a:t>
+              <a:t>28.02.2024</a:t>
             </a:fld>
             <a:endParaRPr lang="uk-UA"/>
           </a:p>
@@ -1728,7 +1728,7 @@
           <a:p>
             <a:fld id="{45843C31-A71A-4565-B352-4957DD3DAAED}" type="datetimeFigureOut">
               <a:rPr lang="uk-UA" smtClean="0"/>
-              <a:t>10.02.2024</a:t>
+              <a:t>28.02.2024</a:t>
             </a:fld>
             <a:endParaRPr lang="uk-UA"/>
           </a:p>
@@ -1996,7 +1996,7 @@
           <a:p>
             <a:fld id="{45843C31-A71A-4565-B352-4957DD3DAAED}" type="datetimeFigureOut">
               <a:rPr lang="uk-UA" smtClean="0"/>
-              <a:t>10.02.2024</a:t>
+              <a:t>28.02.2024</a:t>
             </a:fld>
             <a:endParaRPr lang="uk-UA"/>
           </a:p>
@@ -2411,7 +2411,7 @@
           <a:p>
             <a:fld id="{45843C31-A71A-4565-B352-4957DD3DAAED}" type="datetimeFigureOut">
               <a:rPr lang="uk-UA" smtClean="0"/>
-              <a:t>10.02.2024</a:t>
+              <a:t>28.02.2024</a:t>
             </a:fld>
             <a:endParaRPr lang="uk-UA"/>
           </a:p>
@@ -2553,7 +2553,7 @@
           <a:p>
             <a:fld id="{45843C31-A71A-4565-B352-4957DD3DAAED}" type="datetimeFigureOut">
               <a:rPr lang="uk-UA" smtClean="0"/>
-              <a:t>10.02.2024</a:t>
+              <a:t>28.02.2024</a:t>
             </a:fld>
             <a:endParaRPr lang="uk-UA"/>
           </a:p>
@@ -2666,7 +2666,7 @@
           <a:p>
             <a:fld id="{45843C31-A71A-4565-B352-4957DD3DAAED}" type="datetimeFigureOut">
               <a:rPr lang="uk-UA" smtClean="0"/>
-              <a:t>10.02.2024</a:t>
+              <a:t>28.02.2024</a:t>
             </a:fld>
             <a:endParaRPr lang="uk-UA"/>
           </a:p>
@@ -2979,7 +2979,7 @@
           <a:p>
             <a:fld id="{45843C31-A71A-4565-B352-4957DD3DAAED}" type="datetimeFigureOut">
               <a:rPr lang="uk-UA" smtClean="0"/>
-              <a:t>10.02.2024</a:t>
+              <a:t>28.02.2024</a:t>
             </a:fld>
             <a:endParaRPr lang="uk-UA"/>
           </a:p>
@@ -3268,7 +3268,7 @@
           <a:p>
             <a:fld id="{45843C31-A71A-4565-B352-4957DD3DAAED}" type="datetimeFigureOut">
               <a:rPr lang="uk-UA" smtClean="0"/>
-              <a:t>10.02.2024</a:t>
+              <a:t>28.02.2024</a:t>
             </a:fld>
             <a:endParaRPr lang="uk-UA"/>
           </a:p>
@@ -3511,7 +3511,7 @@
           <a:p>
             <a:fld id="{45843C31-A71A-4565-B352-4957DD3DAAED}" type="datetimeFigureOut">
               <a:rPr lang="uk-UA" smtClean="0"/>
-              <a:t>10.02.2024</a:t>
+              <a:t>28.02.2024</a:t>
             </a:fld>
             <a:endParaRPr lang="uk-UA"/>
           </a:p>
@@ -4545,18 +4545,128 @@
               <a:tabLst/>
             </a:pPr>
             <a:r>
-              <a:rPr kumimoji="0" lang="uk-UA" altLang="uk-UA" sz="2400" b="0" i="0" u="none" strike="noStrike" cap="none" normalizeH="0" baseline="0">
-                <a:ln>
-                  <a:noFill/>
-                </a:ln>
-                <a:effectLst/>
-                <a:latin typeface="Times New Roman" panose="02020603050405020304" pitchFamily="18" charset="0"/>
-                <a:cs typeface="Times New Roman" panose="02020603050405020304" pitchFamily="18" charset="0"/>
-              </a:rPr>
-              <a:t>У наджадібному режимі робота матчера аналогічна механізму жадібного режиму. Відмінність у тому, що з захоплення тексту остаточно рядка пошук у зворотному напрямі немає. Тобто перші три етапи при наджадібному режимі будуть аналогічні жадібному режиму. Після захоплення всього рядка матчер додає залишок шаблону і порівнює із захопленим рядком. У нашому прикладі під час виконання методу main з шаблоном "А.++а" збігів не буде знайдено. </a:t>
+              <a:rPr kumimoji="0" lang="uk-UA" altLang="uk-UA" sz="2400" b="0" i="0" u="none" strike="noStrike" cap="none" normalizeH="0" baseline="0" dirty="0">
+                <a:ln>
+                  <a:noFill/>
+                </a:ln>
+                <a:effectLst/>
+                <a:latin typeface="Times New Roman" panose="02020603050405020304" pitchFamily="18" charset="0"/>
+                <a:cs typeface="Times New Roman" panose="02020603050405020304" pitchFamily="18" charset="0"/>
+              </a:rPr>
+              <a:t>У </a:t>
+            </a:r>
+            <a:r>
+              <a:rPr kumimoji="0" lang="uk-UA" altLang="uk-UA" sz="2400" b="0" i="0" u="none" strike="noStrike" cap="none" normalizeH="0" baseline="0" dirty="0" err="1">
+                <a:ln>
+                  <a:noFill/>
+                </a:ln>
+                <a:effectLst/>
+                <a:latin typeface="Times New Roman" panose="02020603050405020304" pitchFamily="18" charset="0"/>
+                <a:cs typeface="Times New Roman" panose="02020603050405020304" pitchFamily="18" charset="0"/>
+              </a:rPr>
+              <a:t>наджадібному</a:t>
+            </a:r>
+            <a:r>
+              <a:rPr kumimoji="0" lang="uk-UA" altLang="uk-UA" sz="2400" b="0" i="0" u="none" strike="noStrike" cap="none" normalizeH="0" baseline="0" dirty="0">
+                <a:ln>
+                  <a:noFill/>
+                </a:ln>
+                <a:effectLst/>
+                <a:latin typeface="Times New Roman" panose="02020603050405020304" pitchFamily="18" charset="0"/>
+                <a:cs typeface="Times New Roman" panose="02020603050405020304" pitchFamily="18" charset="0"/>
+              </a:rPr>
+              <a:t> режимі робота </a:t>
+            </a:r>
+            <a:r>
+              <a:rPr kumimoji="0" lang="uk-UA" altLang="uk-UA" sz="2400" b="0" i="0" u="none" strike="noStrike" cap="none" normalizeH="0" baseline="0" dirty="0" err="1">
+                <a:ln>
+                  <a:noFill/>
+                </a:ln>
+                <a:effectLst/>
+                <a:latin typeface="Times New Roman" panose="02020603050405020304" pitchFamily="18" charset="0"/>
+                <a:cs typeface="Times New Roman" panose="02020603050405020304" pitchFamily="18" charset="0"/>
+              </a:rPr>
+              <a:t>матчера</a:t>
+            </a:r>
+            <a:r>
+              <a:rPr kumimoji="0" lang="uk-UA" altLang="uk-UA" sz="2400" b="0" i="0" u="none" strike="noStrike" cap="none" normalizeH="0" baseline="0" dirty="0">
+                <a:ln>
+                  <a:noFill/>
+                </a:ln>
+                <a:effectLst/>
+                <a:latin typeface="Times New Roman" panose="02020603050405020304" pitchFamily="18" charset="0"/>
+                <a:cs typeface="Times New Roman" panose="02020603050405020304" pitchFamily="18" charset="0"/>
+              </a:rPr>
+              <a:t> аналогічна механізму жадібного режиму. Відмінність у тому, що з захоплення тексту остаточно рядка пошук у зворотному напрямі немає. Тобто перші три етапи при </a:t>
+            </a:r>
+            <a:r>
+              <a:rPr kumimoji="0" lang="uk-UA" altLang="uk-UA" sz="2400" b="0" i="0" u="none" strike="noStrike" cap="none" normalizeH="0" baseline="0" dirty="0" err="1">
+                <a:ln>
+                  <a:noFill/>
+                </a:ln>
+                <a:effectLst/>
+                <a:latin typeface="Times New Roman" panose="02020603050405020304" pitchFamily="18" charset="0"/>
+                <a:cs typeface="Times New Roman" panose="02020603050405020304" pitchFamily="18" charset="0"/>
+              </a:rPr>
+              <a:t>наджадібному</a:t>
+            </a:r>
+            <a:r>
+              <a:rPr kumimoji="0" lang="uk-UA" altLang="uk-UA" sz="2400" b="0" i="0" u="none" strike="noStrike" cap="none" normalizeH="0" baseline="0" dirty="0">
+                <a:ln>
+                  <a:noFill/>
+                </a:ln>
+                <a:effectLst/>
+                <a:latin typeface="Times New Roman" panose="02020603050405020304" pitchFamily="18" charset="0"/>
+                <a:cs typeface="Times New Roman" panose="02020603050405020304" pitchFamily="18" charset="0"/>
+              </a:rPr>
+              <a:t> режимі будуть аналогічні жадібному режиму. Після захоплення всього рядка </a:t>
+            </a:r>
+            <a:r>
+              <a:rPr kumimoji="0" lang="uk-UA" altLang="uk-UA" sz="2400" b="0" i="0" u="none" strike="noStrike" cap="none" normalizeH="0" baseline="0" dirty="0" err="1">
+                <a:ln>
+                  <a:noFill/>
+                </a:ln>
+                <a:effectLst/>
+                <a:latin typeface="Times New Roman" panose="02020603050405020304" pitchFamily="18" charset="0"/>
+                <a:cs typeface="Times New Roman" panose="02020603050405020304" pitchFamily="18" charset="0"/>
+              </a:rPr>
+              <a:t>матчер</a:t>
+            </a:r>
+            <a:r>
+              <a:rPr kumimoji="0" lang="uk-UA" altLang="uk-UA" sz="2400" b="0" i="0" u="none" strike="noStrike" cap="none" normalizeH="0" baseline="0" dirty="0">
+                <a:ln>
+                  <a:noFill/>
+                </a:ln>
+                <a:effectLst/>
+                <a:latin typeface="Times New Roman" panose="02020603050405020304" pitchFamily="18" charset="0"/>
+                <a:cs typeface="Times New Roman" panose="02020603050405020304" pitchFamily="18" charset="0"/>
+              </a:rPr>
+              <a:t> додає залишок шаблону і порівнює із захопленим рядком. У нашому прикладі під час виконання методу </a:t>
+            </a:r>
+            <a:r>
+              <a:rPr kumimoji="0" lang="uk-UA" altLang="uk-UA" sz="2400" b="0" i="0" u="none" strike="noStrike" cap="none" normalizeH="0" baseline="0" dirty="0" err="1">
+                <a:ln>
+                  <a:noFill/>
+                </a:ln>
+                <a:effectLst/>
+                <a:latin typeface="Times New Roman" panose="02020603050405020304" pitchFamily="18" charset="0"/>
+                <a:cs typeface="Times New Roman" panose="02020603050405020304" pitchFamily="18" charset="0"/>
+              </a:rPr>
+              <a:t>main</a:t>
+            </a:r>
+            <a:r>
+              <a:rPr kumimoji="0" lang="uk-UA" altLang="uk-UA" sz="2400" b="0" i="0" u="none" strike="noStrike" cap="none" normalizeH="0" baseline="0" dirty="0">
+                <a:ln>
+                  <a:noFill/>
+                </a:ln>
+                <a:effectLst/>
+                <a:latin typeface="Times New Roman" panose="02020603050405020304" pitchFamily="18" charset="0"/>
+                <a:cs typeface="Times New Roman" panose="02020603050405020304" pitchFamily="18" charset="0"/>
+              </a:rPr>
+              <a:t> з шаблоном "А.++а" збігів не буде знайдено. </a:t>
             </a:r>
             <a:br>
-              <a:rPr kumimoji="0" lang="uk-UA" altLang="uk-UA" sz="2400" b="0" i="0" u="none" strike="noStrike" cap="none" normalizeH="0" baseline="0">
+              <a:rPr kumimoji="0" lang="uk-UA" altLang="uk-UA" sz="2400" b="0" i="0" u="none" strike="noStrike" cap="none" normalizeH="0" baseline="0" dirty="0">
                 <a:ln>
                   <a:noFill/>
                 </a:ln>
@@ -4565,7 +4675,7 @@
                 <a:cs typeface="Times New Roman" panose="02020603050405020304" pitchFamily="18" charset="0"/>
               </a:rPr>
             </a:br>
-            <a:endParaRPr kumimoji="0" lang="uk-UA" altLang="uk-UA" sz="2400" b="0" i="0" u="none" strike="noStrike" cap="none" normalizeH="0" baseline="0">
+            <a:endParaRPr kumimoji="0" lang="uk-UA" altLang="uk-UA" sz="2400" b="0" i="0" u="none" strike="noStrike" cap="none" normalizeH="0" baseline="0" dirty="0">
               <a:ln>
                 <a:noFill/>
               </a:ln>
@@ -14571,7 +14681,7 @@
           <a:graphicData uri="http://schemas.openxmlformats.org/presentationml/2006/ole">
             <mc:AlternateContent xmlns:mc="http://schemas.openxmlformats.org/markup-compatibility/2006">
               <mc:Choice xmlns:v="urn:schemas-microsoft-com:vml" Requires="v">
-                <p:oleObj spid="_x0000_s2064" name="Visio" r:id="rId3" imgW="1477656" imgH="322301" progId="Visio.Drawing.11">
+                <p:oleObj spid="_x0000_s2071" name="Visio" r:id="rId3" imgW="1477656" imgH="322301" progId="Visio.Drawing.11">
                   <p:embed/>
                 </p:oleObj>
               </mc:Choice>
@@ -14666,7 +14776,7 @@
           <a:graphicData uri="http://schemas.openxmlformats.org/presentationml/2006/ole">
             <mc:AlternateContent xmlns:mc="http://schemas.openxmlformats.org/markup-compatibility/2006">
               <mc:Choice xmlns:v="urn:schemas-microsoft-com:vml" Requires="v">
-                <p:oleObj spid="_x0000_s2065" name="Visio" r:id="rId5" imgW="3298138" imgH="385465" progId="Visio.Drawing.11">
+                <p:oleObj spid="_x0000_s2072" name="Visio" r:id="rId5" imgW="3298138" imgH="385465" progId="Visio.Drawing.11">
                   <p:embed/>
                 </p:oleObj>
               </mc:Choice>
@@ -14755,7 +14865,7 @@
           <a:graphicData uri="http://schemas.openxmlformats.org/presentationml/2006/ole">
             <mc:AlternateContent xmlns:mc="http://schemas.openxmlformats.org/markup-compatibility/2006">
               <mc:Choice xmlns:v="urn:schemas-microsoft-com:vml" Requires="v">
-                <p:oleObj spid="_x0000_s2066" name="Visio" r:id="rId7" imgW="1549731" imgH="322301" progId="Visio.Drawing.11">
+                <p:oleObj spid="_x0000_s2073" name="Visio" r:id="rId7" imgW="1549731" imgH="322301" progId="Visio.Drawing.11">
                   <p:embed/>
                 </p:oleObj>
               </mc:Choice>
@@ -14850,7 +14960,7 @@
           <a:graphicData uri="http://schemas.openxmlformats.org/presentationml/2006/ole">
             <mc:AlternateContent xmlns:mc="http://schemas.openxmlformats.org/markup-compatibility/2006">
               <mc:Choice xmlns:v="urn:schemas-microsoft-com:vml" Requires="v">
-                <p:oleObj spid="_x0000_s2067" name="Visio" r:id="rId9" imgW="3298138" imgH="385465" progId="Visio.Drawing.11">
+                <p:oleObj spid="_x0000_s2074" name="Visio" r:id="rId9" imgW="3298138" imgH="385465" progId="Visio.Drawing.11">
                   <p:embed/>
                 </p:oleObj>
               </mc:Choice>
@@ -14939,7 +15049,7 @@
           <a:graphicData uri="http://schemas.openxmlformats.org/presentationml/2006/ole">
             <mc:AlternateContent xmlns:mc="http://schemas.openxmlformats.org/markup-compatibility/2006">
               <mc:Choice xmlns:v="urn:schemas-microsoft-com:vml" Requires="v">
-                <p:oleObj spid="_x0000_s2068" name="Visio" r:id="rId11" imgW="1817242" imgH="322301" progId="Visio.Drawing.11">
+                <p:oleObj spid="_x0000_s2075" name="Visio" r:id="rId11" imgW="1817242" imgH="322301" progId="Visio.Drawing.11">
                   <p:embed/>
                 </p:oleObj>
               </mc:Choice>
@@ -15649,7 +15759,7 @@
           <a:graphicData uri="http://schemas.openxmlformats.org/presentationml/2006/ole">
             <mc:AlternateContent xmlns:mc="http://schemas.openxmlformats.org/markup-compatibility/2006">
               <mc:Choice xmlns:v="urn:schemas-microsoft-com:vml" Requires="v">
-                <p:oleObj spid="_x0000_s2069" name="Visio" r:id="rId13" imgW="3717356" imgH="893750" progId="Visio.Drawing.11">
+                <p:oleObj spid="_x0000_s2076" name="Visio" r:id="rId13" imgW="3717356" imgH="893750" progId="Visio.Drawing.11">
                   <p:embed/>
                 </p:oleObj>
               </mc:Choice>
@@ -15943,7 +16053,7 @@
           <a:graphicData uri="http://schemas.openxmlformats.org/presentationml/2006/ole">
             <mc:AlternateContent xmlns:mc="http://schemas.openxmlformats.org/markup-compatibility/2006">
               <mc:Choice xmlns:v="urn:schemas-microsoft-com:vml" Requires="v">
-                <p:oleObj spid="_x0000_s2070" name="Visio" r:id="rId15" imgW="635441" imgH="505046" progId="Visio.Drawing.11">
+                <p:oleObj spid="_x0000_s2077" name="Visio" r:id="rId15" imgW="635441" imgH="505046" progId="Visio.Drawing.11">
                   <p:embed/>
                 </p:oleObj>
               </mc:Choice>
